--- a/NOT START - 2020.09 - [ C# Data Structures ]/01 - [ Data Structures and Complexity ]/00 - [ Resources ]/Presentation.pptx
+++ b/NOT START - 2020.09 - [ C# Data Structures ]/01 - [ Data Structures and Complexity ]/00 - [ Resources ]/Presentation.pptx
@@ -5981,7 +5981,7 @@
           <a:p>
             <a:fld id="{4E087215-0C8F-4762-A664-737A353EC9A4}" type="datetimeFigureOut">
               <a:rPr lang="bg-BG" smtClean="0"/>
-              <a:t>1.9.2020 г.</a:t>
+              <a:t>16.1.2021 г.</a:t>
             </a:fld>
             <a:endParaRPr lang="bg-BG"/>
           </a:p>
@@ -6172,7 +6172,7 @@
           <a:p>
             <a:fld id="{72D84649-876A-46C9-8472-14CB09C070D8}" type="datetimeFigureOut">
               <a:rPr lang="en-US" smtClean="0"/>
-              <a:t>9/1/2020</a:t>
+              <a:t>1/16/2021</a:t>
             </a:fld>
             <a:endParaRPr lang="en-US"/>
           </a:p>
@@ -6631,7 +6631,7 @@
             <a:fld id="{B05CEEED-D241-4401-9102-96ADB82317DA}" type="slidenum">
               <a:rPr lang="en-US"/>
               <a:pPr/>
-              <a:t>35</a:t>
+              <a:t>21</a:t>
             </a:fld>
             <a:r>
               <a:rPr lang="en-US" dirty="0"/>
@@ -6726,7 +6726,7 @@
     </p:spTree>
     <p:extLst>
       <p:ext uri="{BB962C8B-B14F-4D97-AF65-F5344CB8AC3E}">
-        <p14:creationId xmlns:p14="http://schemas.microsoft.com/office/powerpoint/2010/main" val="3054032304"/>
+        <p14:creationId xmlns:p14="http://schemas.microsoft.com/office/powerpoint/2010/main" val="3074945277"/>
       </p:ext>
     </p:extLst>
   </p:cSld>
@@ -6773,7 +6773,7 @@
             <a:fld id="{B05CEEED-D241-4401-9102-96ADB82317DA}" type="slidenum">
               <a:rPr lang="en-US"/>
               <a:pPr/>
-              <a:t>36</a:t>
+              <a:t>22</a:t>
             </a:fld>
             <a:r>
               <a:rPr lang="en-US" dirty="0"/>
@@ -6868,7 +6868,7 @@
     </p:spTree>
     <p:extLst>
       <p:ext uri="{BB962C8B-B14F-4D97-AF65-F5344CB8AC3E}">
-        <p14:creationId xmlns:p14="http://schemas.microsoft.com/office/powerpoint/2010/main" val="3059259679"/>
+        <p14:creationId xmlns:p14="http://schemas.microsoft.com/office/powerpoint/2010/main" val="3873510152"/>
       </p:ext>
     </p:extLst>
   </p:cSld>
@@ -6912,10 +6912,10 @@
           <a:bodyPr/>
           <a:lstStyle/>
           <a:p>
-            <a:fld id="{B05CEEED-D241-4401-9102-96ADB82317DA}" type="slidenum">
+            <a:fld id="{4B2DCE9C-9CF5-4C8D-93C1-883E9AFA899A}" type="slidenum">
               <a:rPr lang="en-US"/>
               <a:pPr/>
-              <a:t>37</a:t>
+              <a:t>23</a:t>
             </a:fld>
             <a:r>
               <a:rPr lang="en-US" dirty="0"/>
@@ -6926,7 +6926,7 @@
       </p:sp>
       <p:sp>
         <p:nvSpPr>
-          <p:cNvPr id="467970" name="Rectangle 2"/>
+          <p:cNvPr id="472066" name="Rectangle 2"/>
           <p:cNvSpPr>
             <a:spLocks noGrp="1" noRot="1" noChangeAspect="1" noChangeArrowheads="1" noTextEdit="1"/>
           </p:cNvSpPr>
@@ -6940,7 +6940,7 @@
       </p:sp>
       <p:sp>
         <p:nvSpPr>
-          <p:cNvPr id="467971" name="Rectangle 3"/>
+          <p:cNvPr id="472067" name="Rectangle 3"/>
           <p:cNvSpPr>
             <a:spLocks noGrp="1" noChangeArrowheads="1"/>
           </p:cNvSpPr>
@@ -6953,7 +6953,7 @@
           <a:bodyPr/>
           <a:lstStyle/>
           <a:p>
-            <a:endParaRPr lang="bg-BG"/>
+            <a:endParaRPr lang="bg-BG" dirty="0"/>
           </a:p>
         </p:txBody>
       </p:sp>
@@ -7010,7 +7010,7 @@
     </p:spTree>
     <p:extLst>
       <p:ext uri="{BB962C8B-B14F-4D97-AF65-F5344CB8AC3E}">
-        <p14:creationId xmlns:p14="http://schemas.microsoft.com/office/powerpoint/2010/main" val="1938477892"/>
+        <p14:creationId xmlns:p14="http://schemas.microsoft.com/office/powerpoint/2010/main" val="1012708789"/>
       </p:ext>
     </p:extLst>
   </p:cSld>
@@ -7064,53 +7064,242 @@
           <a:bodyPr/>
           <a:lstStyle/>
           <a:p>
-            <a:pPr marL="0" marR="0" lvl="0" indent="0" algn="l" defTabSz="914400" rtl="0" eaLnBrk="1" fontAlgn="auto" latinLnBrk="0" hangingPunct="1">
-              <a:lnSpc>
-                <a:spcPct val="100000"/>
-              </a:lnSpc>
-              <a:spcBef>
-                <a:spcPts val="0"/>
-              </a:spcBef>
-              <a:spcAft>
-                <a:spcPts val="0"/>
-              </a:spcAft>
-              <a:buClrTx/>
-              <a:buSzTx/>
-              <a:buFontTx/>
+            <a:r>
+              <a:rPr lang="bg-BG" dirty="0"/>
+              <a:t>Примери: </a:t>
+            </a:r>
+          </a:p>
+          <a:p>
+            <a:endParaRPr lang="bg-BG" dirty="0"/>
+          </a:p>
+          <a:p>
+            <a:r>
+              <a:rPr lang="bg-BG" dirty="0"/>
+              <a:t>Константна сложност</a:t>
+            </a:r>
+          </a:p>
+          <a:p>
+            <a:pPr marL="171450" indent="-171450">
+              <a:buFont typeface="Symbol" panose="05050102010706020507" pitchFamily="18" charset="2"/>
+              <a:buChar char="Þ"/>
+            </a:pPr>
+            <a:r>
+              <a:rPr lang="bg-BG" dirty="0"/>
+              <a:t>Ако имаме един метод, който проверява дали числото е четно или не</a:t>
+            </a:r>
+          </a:p>
+          <a:p>
+            <a:pPr marL="171450" indent="-171450">
+              <a:buFont typeface="Symbol" panose="05050102010706020507" pitchFamily="18" charset="2"/>
+              <a:buChar char="Þ"/>
+            </a:pPr>
+            <a:endParaRPr lang="bg-BG" dirty="0"/>
+          </a:p>
+          <a:p>
+            <a:pPr marL="0" indent="0">
+              <a:buFont typeface="Symbol" panose="05050102010706020507" pitchFamily="18" charset="2"/>
               <a:buNone/>
-              <a:tabLst/>
-              <a:defRPr/>
             </a:pPr>
             <a:r>
+              <a:rPr lang="bg-BG" dirty="0"/>
+              <a:t>Логаритмична сложност</a:t>
+            </a:r>
+          </a:p>
+          <a:p>
+            <a:pPr marL="171450" indent="-171450">
+              <a:buFont typeface="Symbol" panose="05050102010706020507" pitchFamily="18" charset="2"/>
+              <a:buChar char="Þ"/>
+            </a:pPr>
+            <a:r>
+              <a:rPr lang="bg-BG" dirty="0"/>
+              <a:t>Когато търсим в англо-български речник</a:t>
+            </a:r>
+          </a:p>
+          <a:p>
+            <a:pPr marL="0" indent="0">
+              <a:buFont typeface="Symbol" panose="05050102010706020507" pitchFamily="18" charset="2"/>
+              <a:buNone/>
+            </a:pPr>
+            <a:r>
+              <a:rPr lang="bg-BG" dirty="0"/>
+              <a:t>търсим </a:t>
+            </a:r>
+            <a:r>
               <a:rPr lang="en-US" dirty="0"/>
-              <a:t>How to </a:t>
-            </a:r>
-            <a:r>
-              <a:rPr lang="en-US" b="1" dirty="0">
-                <a:solidFill>
-                  <a:schemeClr val="bg1"/>
-                </a:solidFill>
-              </a:rPr>
-              <a:t>connect</a:t>
+              <a:t>football</a:t>
+            </a:r>
+            <a:r>
+              <a:rPr lang="bg-BG" dirty="0"/>
+              <a:t> =&gt; отиваме в страницата, където са с буквата </a:t>
             </a:r>
             <a:r>
               <a:rPr lang="en-US" dirty="0"/>
-              <a:t> the </a:t>
-            </a:r>
-            <a:r>
-              <a:rPr lang="en-US" b="1" dirty="0">
-                <a:solidFill>
-                  <a:schemeClr val="bg1"/>
-                </a:solidFill>
-              </a:rPr>
-              <a:t>sequence of elements</a:t>
+              <a:t>F </a:t>
+            </a:r>
+            <a:r>
+              <a:rPr lang="bg-BG" dirty="0"/>
+              <a:t>=&gt; вече започваме да търсим думата </a:t>
             </a:r>
             <a:r>
               <a:rPr lang="en-US" dirty="0"/>
-              <a:t>? </a:t>
-            </a:r>
-          </a:p>
-          <a:p>
+              <a:t>football</a:t>
+            </a:r>
+          </a:p>
+          <a:p>
+            <a:pPr marL="0" indent="0">
+              <a:buFont typeface="Symbol" panose="05050102010706020507" pitchFamily="18" charset="2"/>
+              <a:buNone/>
+            </a:pPr>
+            <a:r>
+              <a:rPr lang="bg-BG" dirty="0"/>
+              <a:t>Това са стъпките , които извършваме, а не да търсим из целия речник за да намерим думата </a:t>
+            </a:r>
+            <a:r>
+              <a:rPr lang="en-US" dirty="0"/>
+              <a:t>football</a:t>
+            </a:r>
+          </a:p>
+          <a:p>
+            <a:pPr marL="0" indent="0">
+              <a:buFont typeface="Symbol" panose="05050102010706020507" pitchFamily="18" charset="2"/>
+              <a:buNone/>
+            </a:pPr>
+            <a:endParaRPr lang="en-US" dirty="0"/>
+          </a:p>
+          <a:p>
+            <a:pPr marL="0" indent="0">
+              <a:buFont typeface="Symbol" panose="05050102010706020507" pitchFamily="18" charset="2"/>
+              <a:buNone/>
+            </a:pPr>
+            <a:r>
+              <a:rPr lang="bg-BG" dirty="0"/>
+              <a:t>Линейна сложност</a:t>
+            </a:r>
+          </a:p>
+          <a:p>
+            <a:pPr marL="171450" indent="-171450">
+              <a:buFont typeface="Symbol" panose="05050102010706020507" pitchFamily="18" charset="2"/>
+              <a:buChar char="Þ"/>
+            </a:pPr>
+            <a:r>
+              <a:rPr lang="bg-BG" dirty="0"/>
+              <a:t>Когато четем една книга, трябва да минем през всичките страници на книгата за да я прочетем</a:t>
+            </a:r>
+          </a:p>
+          <a:p>
+            <a:pPr marL="171450" indent="-171450">
+              <a:buFont typeface="Symbol" panose="05050102010706020507" pitchFamily="18" charset="2"/>
+              <a:buChar char="Þ"/>
+            </a:pPr>
+            <a:endParaRPr lang="bg-BG" dirty="0"/>
+          </a:p>
+          <a:p>
+            <a:pPr marL="0" indent="0">
+              <a:buFont typeface="Symbol" panose="05050102010706020507" pitchFamily="18" charset="2"/>
+              <a:buNone/>
+            </a:pPr>
+            <a:r>
+              <a:rPr lang="bg-BG" dirty="0"/>
+              <a:t>Квадратична сложност</a:t>
+            </a:r>
+          </a:p>
+          <a:p>
+            <a:pPr marL="171450" indent="-171450">
+              <a:buFont typeface="Symbol" panose="05050102010706020507" pitchFamily="18" charset="2"/>
+              <a:buChar char="Þ"/>
+            </a:pPr>
+            <a:r>
+              <a:rPr lang="bg-BG" dirty="0"/>
+              <a:t>Когато сме пазарували и имаме един списък с всичките продукти, които сме купили</a:t>
+            </a:r>
+          </a:p>
+          <a:p>
+            <a:pPr marL="0" indent="0">
+              <a:buFont typeface="Symbol" panose="05050102010706020507" pitchFamily="18" charset="2"/>
+              <a:buNone/>
+            </a:pPr>
+            <a:r>
+              <a:rPr lang="bg-BG" dirty="0"/>
+              <a:t>Накрая проверяваме от този списък, дали сме си закупили всичко</a:t>
+            </a:r>
+          </a:p>
+          <a:p>
+            <a:pPr marL="0" indent="0">
+              <a:buFont typeface="Symbol" panose="05050102010706020507" pitchFamily="18" charset="2"/>
+              <a:buNone/>
+            </a:pPr>
+            <a:endParaRPr lang="bg-BG" dirty="0"/>
+          </a:p>
+          <a:p>
+            <a:pPr marL="0" indent="0">
+              <a:buFont typeface="Symbol" panose="05050102010706020507" pitchFamily="18" charset="2"/>
+              <a:buNone/>
+            </a:pPr>
+            <a:r>
+              <a:rPr lang="bg-BG" dirty="0"/>
+              <a:t>Кубична сложност</a:t>
+            </a:r>
+          </a:p>
+          <a:p>
+            <a:pPr marL="171450" indent="-171450">
+              <a:buFont typeface="Symbol" panose="05050102010706020507" pitchFamily="18" charset="2"/>
+              <a:buChar char="Þ"/>
+            </a:pPr>
+            <a:r>
+              <a:rPr lang="bg-BG" dirty="0"/>
+              <a:t>Когато обикаляме една триизмерна матрица</a:t>
+            </a:r>
+          </a:p>
+          <a:p>
+            <a:pPr marL="0" indent="0">
+              <a:buFont typeface="Symbol" panose="05050102010706020507" pitchFamily="18" charset="2"/>
+              <a:buNone/>
+            </a:pPr>
+            <a:endParaRPr lang="bg-BG" dirty="0"/>
+          </a:p>
+          <a:p>
+            <a:pPr marL="0" indent="0">
+              <a:buFont typeface="Symbol" panose="05050102010706020507" pitchFamily="18" charset="2"/>
+              <a:buNone/>
+            </a:pPr>
+            <a:r>
+              <a:rPr lang="bg-BG" dirty="0"/>
+              <a:t>Експоненциална сложност (най-лошият случай)</a:t>
+            </a:r>
+          </a:p>
+          <a:p>
+            <a:pPr marL="171450" indent="-171450">
+              <a:buFont typeface="Symbol" panose="05050102010706020507" pitchFamily="18" charset="2"/>
+              <a:buChar char="Þ"/>
+            </a:pPr>
+            <a:r>
+              <a:rPr lang="bg-BG" dirty="0"/>
+              <a:t>Когато се опитваме да хакнем една парола, като да речем, че знаем, че е 10 символи и това е 10 на </a:t>
+            </a:r>
+            <a:r>
+              <a:rPr lang="en-US" dirty="0"/>
+              <a:t>n-</a:t>
+            </a:r>
+            <a:r>
+              <a:rPr lang="bg-BG" dirty="0"/>
+              <a:t>та степен</a:t>
+            </a:r>
+          </a:p>
+          <a:p>
+            <a:pPr marL="0" indent="0">
+              <a:buFont typeface="Symbol" panose="05050102010706020507" pitchFamily="18" charset="2"/>
+              <a:buNone/>
+            </a:pPr>
+            <a:r>
+              <a:rPr lang="bg-BG" dirty="0"/>
+              <a:t>И това е при положение, че знаем че е 10 символа</a:t>
+            </a:r>
+          </a:p>
+          <a:p>
+            <a:pPr marL="0" indent="0">
+              <a:buFont typeface="Symbol" panose="05050102010706020507" pitchFamily="18" charset="2"/>
+              <a:buNone/>
+            </a:pPr>
             <a:endParaRPr lang="bg-BG" dirty="0"/>
           </a:p>
         </p:txBody>
@@ -7122,7 +7311,7 @@
             <a:spLocks noGrp="1"/>
           </p:cNvSpPr>
           <p:nvPr>
-            <p:ph type="sldNum" sz="quarter" idx="10"/>
+            <p:ph type="sldNum" sz="quarter" idx="5"/>
           </p:nvPr>
         </p:nvSpPr>
         <p:spPr/>
@@ -7132,15 +7321,170 @@
           <a:p>
             <a:fld id="{2BF067CD-8E6B-4360-9AA8-C5DF2A48A6D1}" type="slidenum">
               <a:rPr lang="en-US" smtClean="0"/>
-              <a:t>42</a:t>
+              <a:t>31</a:t>
             </a:fld>
-            <a:endParaRPr lang="en-US"/>
+            <a:endParaRPr lang="en-US" dirty="0"/>
           </a:p>
         </p:txBody>
       </p:sp>
       <p:sp>
         <p:nvSpPr>
-          <p:cNvPr id="5" name="Footer Placeholder 7">
+          <p:cNvPr id="5" name="Footer Placeholder 4"/>
+          <p:cNvSpPr>
+            <a:spLocks noGrp="1"/>
+          </p:cNvSpPr>
+          <p:nvPr>
+            <p:ph type="ftr" sz="quarter" idx="4"/>
+          </p:nvPr>
+        </p:nvSpPr>
+        <p:spPr/>
+        <p:txBody>
+          <a:bodyPr/>
+          <a:lstStyle/>
+          <a:p>
+            <a:r>
+              <a:rPr lang="en-US"/>
+              <a:t>© SoftUni – </a:t>
+            </a:r>
+            <a:r>
+              <a:rPr lang="en-US" u="sng">
+                <a:hlinkClick r:id="rId3"/>
+              </a:rPr>
+              <a:t>https://softuni.org</a:t>
+            </a:r>
+            <a:r>
+              <a:rPr lang="en-US"/>
+              <a:t>. Copyrighted document. Unauthorized copy or reproduction is not permitted.</a:t>
+            </a:r>
+            <a:endParaRPr lang="en-US" dirty="0"/>
+          </a:p>
+        </p:txBody>
+      </p:sp>
+    </p:spTree>
+    <p:extLst>
+      <p:ext uri="{BB962C8B-B14F-4D97-AF65-F5344CB8AC3E}">
+        <p14:creationId xmlns:p14="http://schemas.microsoft.com/office/powerpoint/2010/main" val="1170880593"/>
+      </p:ext>
+    </p:extLst>
+  </p:cSld>
+  <p:clrMapOvr>
+    <a:masterClrMapping/>
+  </p:clrMapOvr>
+</p:notes>
+</file>
+
+<file path=ppt/notesSlides/notesSlide14.xml><?xml version="1.0" encoding="utf-8"?>
+<p:notes xmlns:a="http://schemas.openxmlformats.org/drawingml/2006/main" xmlns:r="http://schemas.openxmlformats.org/officeDocument/2006/relationships" xmlns:p="http://schemas.openxmlformats.org/presentationml/2006/main">
+  <p:cSld>
+    <p:spTree>
+      <p:nvGrpSpPr>
+        <p:cNvPr id="1" name=""/>
+        <p:cNvGrpSpPr/>
+        <p:nvPr/>
+      </p:nvGrpSpPr>
+      <p:grpSpPr>
+        <a:xfrm>
+          <a:off x="0" y="0"/>
+          <a:ext cx="0" cy="0"/>
+          <a:chOff x="0" y="0"/>
+          <a:chExt cx="0" cy="0"/>
+        </a:xfrm>
+      </p:grpSpPr>
+      <p:sp>
+        <p:nvSpPr>
+          <p:cNvPr id="5" name="Rectangle 7"/>
+          <p:cNvSpPr>
+            <a:spLocks noGrp="1" noChangeArrowheads="1"/>
+          </p:cNvSpPr>
+          <p:nvPr>
+            <p:ph type="sldNum" sz="quarter" idx="5"/>
+          </p:nvPr>
+        </p:nvSpPr>
+        <p:spPr>
+          <a:ln/>
+        </p:spPr>
+        <p:txBody>
+          <a:bodyPr/>
+          <a:lstStyle/>
+          <a:p>
+            <a:fld id="{B05CEEED-D241-4401-9102-96ADB82317DA}" type="slidenum">
+              <a:rPr lang="en-US"/>
+              <a:pPr/>
+              <a:t>35</a:t>
+            </a:fld>
+            <a:r>
+              <a:rPr lang="en-US" dirty="0"/>
+              <a:t>##</a:t>
+            </a:r>
+          </a:p>
+        </p:txBody>
+      </p:sp>
+      <p:sp>
+        <p:nvSpPr>
+          <p:cNvPr id="467970" name="Rectangle 2"/>
+          <p:cNvSpPr>
+            <a:spLocks noGrp="1" noRot="1" noChangeAspect="1" noChangeArrowheads="1" noTextEdit="1"/>
+          </p:cNvSpPr>
+          <p:nvPr>
+            <p:ph type="sldImg"/>
+          </p:nvPr>
+        </p:nvSpPr>
+        <p:spPr>
+          <a:ln/>
+        </p:spPr>
+      </p:sp>
+      <p:sp>
+        <p:nvSpPr>
+          <p:cNvPr id="467971" name="Rectangle 3"/>
+          <p:cNvSpPr>
+            <a:spLocks noGrp="1" noChangeArrowheads="1"/>
+          </p:cNvSpPr>
+          <p:nvPr>
+            <p:ph type="body" idx="1"/>
+          </p:nvPr>
+        </p:nvSpPr>
+        <p:spPr/>
+        <p:txBody>
+          <a:bodyPr/>
+          <a:lstStyle/>
+          <a:p>
+            <a:r>
+              <a:rPr lang="bg-BG" dirty="0"/>
+              <a:t>Предимство на масива:</a:t>
+            </a:r>
+          </a:p>
+          <a:p>
+            <a:pPr marL="171450" indent="-171450">
+              <a:buFont typeface="Symbol" panose="05050102010706020507" pitchFamily="18" charset="2"/>
+              <a:buChar char="Þ"/>
+            </a:pPr>
+            <a:r>
+              <a:rPr lang="bg-BG" dirty="0"/>
+              <a:t>Имаме фиксиран брой на елементи т.е. Отделяме по-малко памет</a:t>
+            </a:r>
+          </a:p>
+          <a:p>
+            <a:pPr marL="171450" indent="-171450">
+              <a:buFont typeface="Symbol" panose="05050102010706020507" pitchFamily="18" charset="2"/>
+              <a:buChar char="Þ"/>
+            </a:pPr>
+            <a:r>
+              <a:rPr lang="bg-BG" dirty="0"/>
+              <a:t>Имаме константно време при достъпването на елементи</a:t>
+            </a:r>
+          </a:p>
+          <a:p>
+            <a:pPr marL="171450" indent="-171450">
+              <a:buFont typeface="Symbol" panose="05050102010706020507" pitchFamily="18" charset="2"/>
+              <a:buChar char="Þ"/>
+            </a:pPr>
+            <a:endParaRPr lang="bg-BG" dirty="0"/>
+          </a:p>
+        </p:txBody>
+      </p:sp>
+      <p:sp>
+        <p:nvSpPr>
+          <p:cNvPr id="6" name="Footer Placeholder 7">
             <a:extLst>
               <a:ext uri="{FF2B5EF4-FFF2-40B4-BE49-F238E27FC236}">
                 <a16:creationId xmlns:a16="http://schemas.microsoft.com/office/drawing/2014/main" id="{CAC3A49B-3196-44DF-AC28-085C72EFBFF0}"/>
@@ -7191,7 +7535,7 @@
     </p:spTree>
     <p:extLst>
       <p:ext uri="{BB962C8B-B14F-4D97-AF65-F5344CB8AC3E}">
-        <p14:creationId xmlns:p14="http://schemas.microsoft.com/office/powerpoint/2010/main" val="1305675855"/>
+        <p14:creationId xmlns:p14="http://schemas.microsoft.com/office/powerpoint/2010/main" val="3054032304"/>
       </p:ext>
     </p:extLst>
   </p:cSld>
@@ -7201,7 +7545,291 @@
 </p:notes>
 </file>
 
-<file path=ppt/notesSlides/notesSlide14.xml><?xml version="1.0" encoding="utf-8"?>
+<file path=ppt/notesSlides/notesSlide15.xml><?xml version="1.0" encoding="utf-8"?>
+<p:notes xmlns:a="http://schemas.openxmlformats.org/drawingml/2006/main" xmlns:r="http://schemas.openxmlformats.org/officeDocument/2006/relationships" xmlns:p="http://schemas.openxmlformats.org/presentationml/2006/main">
+  <p:cSld>
+    <p:spTree>
+      <p:nvGrpSpPr>
+        <p:cNvPr id="1" name=""/>
+        <p:cNvGrpSpPr/>
+        <p:nvPr/>
+      </p:nvGrpSpPr>
+      <p:grpSpPr>
+        <a:xfrm>
+          <a:off x="0" y="0"/>
+          <a:ext cx="0" cy="0"/>
+          <a:chOff x="0" y="0"/>
+          <a:chExt cx="0" cy="0"/>
+        </a:xfrm>
+      </p:grpSpPr>
+      <p:sp>
+        <p:nvSpPr>
+          <p:cNvPr id="5" name="Rectangle 7"/>
+          <p:cNvSpPr>
+            <a:spLocks noGrp="1" noChangeArrowheads="1"/>
+          </p:cNvSpPr>
+          <p:nvPr>
+            <p:ph type="sldNum" sz="quarter" idx="5"/>
+          </p:nvPr>
+        </p:nvSpPr>
+        <p:spPr>
+          <a:ln/>
+        </p:spPr>
+        <p:txBody>
+          <a:bodyPr/>
+          <a:lstStyle/>
+          <a:p>
+            <a:fld id="{B05CEEED-D241-4401-9102-96ADB82317DA}" type="slidenum">
+              <a:rPr lang="en-US"/>
+              <a:pPr/>
+              <a:t>36</a:t>
+            </a:fld>
+            <a:r>
+              <a:rPr lang="en-US" dirty="0"/>
+              <a:t>##</a:t>
+            </a:r>
+          </a:p>
+        </p:txBody>
+      </p:sp>
+      <p:sp>
+        <p:nvSpPr>
+          <p:cNvPr id="467970" name="Rectangle 2"/>
+          <p:cNvSpPr>
+            <a:spLocks noGrp="1" noRot="1" noChangeAspect="1" noChangeArrowheads="1" noTextEdit="1"/>
+          </p:cNvSpPr>
+          <p:nvPr>
+            <p:ph type="sldImg"/>
+          </p:nvPr>
+        </p:nvSpPr>
+        <p:spPr>
+          <a:ln/>
+        </p:spPr>
+      </p:sp>
+      <p:sp>
+        <p:nvSpPr>
+          <p:cNvPr id="467971" name="Rectangle 3"/>
+          <p:cNvSpPr>
+            <a:spLocks noGrp="1" noChangeArrowheads="1"/>
+          </p:cNvSpPr>
+          <p:nvPr>
+            <p:ph type="body" idx="1"/>
+          </p:nvPr>
+        </p:nvSpPr>
+        <p:spPr/>
+        <p:txBody>
+          <a:bodyPr/>
+          <a:lstStyle/>
+          <a:p>
+            <a:endParaRPr lang="bg-BG"/>
+          </a:p>
+        </p:txBody>
+      </p:sp>
+      <p:sp>
+        <p:nvSpPr>
+          <p:cNvPr id="6" name="Footer Placeholder 7">
+            <a:extLst>
+              <a:ext uri="{FF2B5EF4-FFF2-40B4-BE49-F238E27FC236}">
+                <a16:creationId xmlns:a16="http://schemas.microsoft.com/office/drawing/2014/main" id="{CAC3A49B-3196-44DF-AC28-085C72EFBFF0}"/>
+              </a:ext>
+            </a:extLst>
+          </p:cNvPr>
+          <p:cNvSpPr>
+            <a:spLocks noGrp="1"/>
+          </p:cNvSpPr>
+          <p:nvPr>
+            <p:ph type="ftr" sz="quarter" idx="4"/>
+          </p:nvPr>
+        </p:nvSpPr>
+        <p:spPr>
+          <a:xfrm>
+            <a:off x="-1" y="8847000"/>
+            <a:ext cx="6488999" cy="297000"/>
+          </a:xfrm>
+          <a:prstGeom prst="rect">
+            <a:avLst/>
+          </a:prstGeom>
+        </p:spPr>
+        <p:txBody>
+          <a:bodyPr vert="horz" lIns="91440" tIns="45720" rIns="91440" bIns="45720" rtlCol="0" anchor="b"/>
+          <a:lstStyle>
+            <a:lvl1pPr algn="l">
+              <a:defRPr sz="1100"/>
+            </a:lvl1pPr>
+          </a:lstStyle>
+          <a:p>
+            <a:r>
+              <a:rPr lang="en-US" dirty="0"/>
+              <a:t>© SoftUni – </a:t>
+            </a:r>
+            <a:r>
+              <a:rPr lang="en-US" u="sng" dirty="0">
+                <a:hlinkClick r:id="rId3"/>
+              </a:rPr>
+              <a:t>https://softuni.org</a:t>
+            </a:r>
+            <a:r>
+              <a:rPr lang="en-US" dirty="0"/>
+              <a:t>. Copyrighted document. Unauthorized copy or reproduction is not permitted.</a:t>
+            </a:r>
+          </a:p>
+        </p:txBody>
+      </p:sp>
+    </p:spTree>
+    <p:extLst>
+      <p:ext uri="{BB962C8B-B14F-4D97-AF65-F5344CB8AC3E}">
+        <p14:creationId xmlns:p14="http://schemas.microsoft.com/office/powerpoint/2010/main" val="3059259679"/>
+      </p:ext>
+    </p:extLst>
+  </p:cSld>
+  <p:clrMapOvr>
+    <a:masterClrMapping/>
+  </p:clrMapOvr>
+</p:notes>
+</file>
+
+<file path=ppt/notesSlides/notesSlide16.xml><?xml version="1.0" encoding="utf-8"?>
+<p:notes xmlns:a="http://schemas.openxmlformats.org/drawingml/2006/main" xmlns:r="http://schemas.openxmlformats.org/officeDocument/2006/relationships" xmlns:p="http://schemas.openxmlformats.org/presentationml/2006/main">
+  <p:cSld>
+    <p:spTree>
+      <p:nvGrpSpPr>
+        <p:cNvPr id="1" name=""/>
+        <p:cNvGrpSpPr/>
+        <p:nvPr/>
+      </p:nvGrpSpPr>
+      <p:grpSpPr>
+        <a:xfrm>
+          <a:off x="0" y="0"/>
+          <a:ext cx="0" cy="0"/>
+          <a:chOff x="0" y="0"/>
+          <a:chExt cx="0" cy="0"/>
+        </a:xfrm>
+      </p:grpSpPr>
+      <p:sp>
+        <p:nvSpPr>
+          <p:cNvPr id="5" name="Rectangle 7"/>
+          <p:cNvSpPr>
+            <a:spLocks noGrp="1" noChangeArrowheads="1"/>
+          </p:cNvSpPr>
+          <p:nvPr>
+            <p:ph type="sldNum" sz="quarter" idx="5"/>
+          </p:nvPr>
+        </p:nvSpPr>
+        <p:spPr>
+          <a:ln/>
+        </p:spPr>
+        <p:txBody>
+          <a:bodyPr/>
+          <a:lstStyle/>
+          <a:p>
+            <a:fld id="{B05CEEED-D241-4401-9102-96ADB82317DA}" type="slidenum">
+              <a:rPr lang="en-US"/>
+              <a:pPr/>
+              <a:t>37</a:t>
+            </a:fld>
+            <a:r>
+              <a:rPr lang="en-US" dirty="0"/>
+              <a:t>##</a:t>
+            </a:r>
+          </a:p>
+        </p:txBody>
+      </p:sp>
+      <p:sp>
+        <p:nvSpPr>
+          <p:cNvPr id="467970" name="Rectangle 2"/>
+          <p:cNvSpPr>
+            <a:spLocks noGrp="1" noRot="1" noChangeAspect="1" noChangeArrowheads="1" noTextEdit="1"/>
+          </p:cNvSpPr>
+          <p:nvPr>
+            <p:ph type="sldImg"/>
+          </p:nvPr>
+        </p:nvSpPr>
+        <p:spPr>
+          <a:ln/>
+        </p:spPr>
+      </p:sp>
+      <p:sp>
+        <p:nvSpPr>
+          <p:cNvPr id="467971" name="Rectangle 3"/>
+          <p:cNvSpPr>
+            <a:spLocks noGrp="1" noChangeArrowheads="1"/>
+          </p:cNvSpPr>
+          <p:nvPr>
+            <p:ph type="body" idx="1"/>
+          </p:nvPr>
+        </p:nvSpPr>
+        <p:spPr/>
+        <p:txBody>
+          <a:bodyPr/>
+          <a:lstStyle/>
+          <a:p>
+            <a:endParaRPr lang="bg-BG"/>
+          </a:p>
+        </p:txBody>
+      </p:sp>
+      <p:sp>
+        <p:nvSpPr>
+          <p:cNvPr id="6" name="Footer Placeholder 7">
+            <a:extLst>
+              <a:ext uri="{FF2B5EF4-FFF2-40B4-BE49-F238E27FC236}">
+                <a16:creationId xmlns:a16="http://schemas.microsoft.com/office/drawing/2014/main" id="{CAC3A49B-3196-44DF-AC28-085C72EFBFF0}"/>
+              </a:ext>
+            </a:extLst>
+          </p:cNvPr>
+          <p:cNvSpPr>
+            <a:spLocks noGrp="1"/>
+          </p:cNvSpPr>
+          <p:nvPr>
+            <p:ph type="ftr" sz="quarter" idx="4"/>
+          </p:nvPr>
+        </p:nvSpPr>
+        <p:spPr>
+          <a:xfrm>
+            <a:off x="-1" y="8847000"/>
+            <a:ext cx="6488999" cy="297000"/>
+          </a:xfrm>
+          <a:prstGeom prst="rect">
+            <a:avLst/>
+          </a:prstGeom>
+        </p:spPr>
+        <p:txBody>
+          <a:bodyPr vert="horz" lIns="91440" tIns="45720" rIns="91440" bIns="45720" rtlCol="0" anchor="b"/>
+          <a:lstStyle>
+            <a:lvl1pPr algn="l">
+              <a:defRPr sz="1100"/>
+            </a:lvl1pPr>
+          </a:lstStyle>
+          <a:p>
+            <a:r>
+              <a:rPr lang="en-US" dirty="0"/>
+              <a:t>© SoftUni – </a:t>
+            </a:r>
+            <a:r>
+              <a:rPr lang="en-US" u="sng" dirty="0">
+                <a:hlinkClick r:id="rId3"/>
+              </a:rPr>
+              <a:t>https://softuni.org</a:t>
+            </a:r>
+            <a:r>
+              <a:rPr lang="en-US" dirty="0"/>
+              <a:t>. Copyrighted document. Unauthorized copy or reproduction is not permitted.</a:t>
+            </a:r>
+          </a:p>
+        </p:txBody>
+      </p:sp>
+    </p:spTree>
+    <p:extLst>
+      <p:ext uri="{BB962C8B-B14F-4D97-AF65-F5344CB8AC3E}">
+        <p14:creationId xmlns:p14="http://schemas.microsoft.com/office/powerpoint/2010/main" val="1938477892"/>
+      </p:ext>
+    </p:extLst>
+  </p:cSld>
+  <p:clrMapOvr>
+    <a:masterClrMapping/>
+  </p:clrMapOvr>
+</p:notes>
+</file>
+
+<file path=ppt/notesSlides/notesSlide17.xml><?xml version="1.0" encoding="utf-8"?>
 <p:notes xmlns:a="http://schemas.openxmlformats.org/drawingml/2006/main" xmlns:r="http://schemas.openxmlformats.org/officeDocument/2006/relationships" xmlns:p="http://schemas.openxmlformats.org/presentationml/2006/main">
   <p:cSld>
     <p:spTree>
@@ -7245,6 +7873,187 @@
           <a:bodyPr/>
           <a:lstStyle/>
           <a:p>
+            <a:pPr marL="0" marR="0" lvl="0" indent="0" algn="l" defTabSz="914400" rtl="0" eaLnBrk="1" fontAlgn="auto" latinLnBrk="0" hangingPunct="1">
+              <a:lnSpc>
+                <a:spcPct val="100000"/>
+              </a:lnSpc>
+              <a:spcBef>
+                <a:spcPts val="0"/>
+              </a:spcBef>
+              <a:spcAft>
+                <a:spcPts val="0"/>
+              </a:spcAft>
+              <a:buClrTx/>
+              <a:buSzTx/>
+              <a:buFontTx/>
+              <a:buNone/>
+              <a:tabLst/>
+              <a:defRPr/>
+            </a:pPr>
+            <a:r>
+              <a:rPr lang="en-US" dirty="0"/>
+              <a:t>How to </a:t>
+            </a:r>
+            <a:r>
+              <a:rPr lang="en-US" b="1" dirty="0">
+                <a:solidFill>
+                  <a:schemeClr val="bg1"/>
+                </a:solidFill>
+              </a:rPr>
+              <a:t>connect</a:t>
+            </a:r>
+            <a:r>
+              <a:rPr lang="en-US" dirty="0"/>
+              <a:t> the </a:t>
+            </a:r>
+            <a:r>
+              <a:rPr lang="en-US" b="1" dirty="0">
+                <a:solidFill>
+                  <a:schemeClr val="bg1"/>
+                </a:solidFill>
+              </a:rPr>
+              <a:t>sequence of elements</a:t>
+            </a:r>
+            <a:r>
+              <a:rPr lang="en-US" dirty="0"/>
+              <a:t>? </a:t>
+            </a:r>
+          </a:p>
+          <a:p>
+            <a:endParaRPr lang="bg-BG" dirty="0"/>
+          </a:p>
+        </p:txBody>
+      </p:sp>
+      <p:sp>
+        <p:nvSpPr>
+          <p:cNvPr id="4" name="Slide Number Placeholder 3"/>
+          <p:cNvSpPr>
+            <a:spLocks noGrp="1"/>
+          </p:cNvSpPr>
+          <p:nvPr>
+            <p:ph type="sldNum" sz="quarter" idx="10"/>
+          </p:nvPr>
+        </p:nvSpPr>
+        <p:spPr/>
+        <p:txBody>
+          <a:bodyPr/>
+          <a:lstStyle/>
+          <a:p>
+            <a:fld id="{2BF067CD-8E6B-4360-9AA8-C5DF2A48A6D1}" type="slidenum">
+              <a:rPr lang="en-US" smtClean="0"/>
+              <a:t>42</a:t>
+            </a:fld>
+            <a:endParaRPr lang="en-US"/>
+          </a:p>
+        </p:txBody>
+      </p:sp>
+      <p:sp>
+        <p:nvSpPr>
+          <p:cNvPr id="5" name="Footer Placeholder 7">
+            <a:extLst>
+              <a:ext uri="{FF2B5EF4-FFF2-40B4-BE49-F238E27FC236}">
+                <a16:creationId xmlns:a16="http://schemas.microsoft.com/office/drawing/2014/main" id="{CAC3A49B-3196-44DF-AC28-085C72EFBFF0}"/>
+              </a:ext>
+            </a:extLst>
+          </p:cNvPr>
+          <p:cNvSpPr>
+            <a:spLocks noGrp="1"/>
+          </p:cNvSpPr>
+          <p:nvPr>
+            <p:ph type="ftr" sz="quarter" idx="4"/>
+          </p:nvPr>
+        </p:nvSpPr>
+        <p:spPr>
+          <a:xfrm>
+            <a:off x="-1" y="8847000"/>
+            <a:ext cx="6488999" cy="297000"/>
+          </a:xfrm>
+          <a:prstGeom prst="rect">
+            <a:avLst/>
+          </a:prstGeom>
+        </p:spPr>
+        <p:txBody>
+          <a:bodyPr vert="horz" lIns="91440" tIns="45720" rIns="91440" bIns="45720" rtlCol="0" anchor="b"/>
+          <a:lstStyle>
+            <a:lvl1pPr algn="l">
+              <a:defRPr sz="1100"/>
+            </a:lvl1pPr>
+          </a:lstStyle>
+          <a:p>
+            <a:r>
+              <a:rPr lang="en-US" dirty="0"/>
+              <a:t>© SoftUni – </a:t>
+            </a:r>
+            <a:r>
+              <a:rPr lang="en-US" u="sng" dirty="0">
+                <a:hlinkClick r:id="rId3"/>
+              </a:rPr>
+              <a:t>https://softuni.org</a:t>
+            </a:r>
+            <a:r>
+              <a:rPr lang="en-US" dirty="0"/>
+              <a:t>. Copyrighted document. Unauthorized copy or reproduction is not permitted.</a:t>
+            </a:r>
+          </a:p>
+        </p:txBody>
+      </p:sp>
+    </p:spTree>
+    <p:extLst>
+      <p:ext uri="{BB962C8B-B14F-4D97-AF65-F5344CB8AC3E}">
+        <p14:creationId xmlns:p14="http://schemas.microsoft.com/office/powerpoint/2010/main" val="1305675855"/>
+      </p:ext>
+    </p:extLst>
+  </p:cSld>
+  <p:clrMapOvr>
+    <a:masterClrMapping/>
+  </p:clrMapOvr>
+</p:notes>
+</file>
+
+<file path=ppt/notesSlides/notesSlide18.xml><?xml version="1.0" encoding="utf-8"?>
+<p:notes xmlns:a="http://schemas.openxmlformats.org/drawingml/2006/main" xmlns:r="http://schemas.openxmlformats.org/officeDocument/2006/relationships" xmlns:p="http://schemas.openxmlformats.org/presentationml/2006/main">
+  <p:cSld>
+    <p:spTree>
+      <p:nvGrpSpPr>
+        <p:cNvPr id="1" name=""/>
+        <p:cNvGrpSpPr/>
+        <p:nvPr/>
+      </p:nvGrpSpPr>
+      <p:grpSpPr>
+        <a:xfrm>
+          <a:off x="0" y="0"/>
+          <a:ext cx="0" cy="0"/>
+          <a:chOff x="0" y="0"/>
+          <a:chExt cx="0" cy="0"/>
+        </a:xfrm>
+      </p:grpSpPr>
+      <p:sp>
+        <p:nvSpPr>
+          <p:cNvPr id="2" name="Slide Image Placeholder 1"/>
+          <p:cNvSpPr>
+            <a:spLocks noGrp="1" noRot="1" noChangeAspect="1"/>
+          </p:cNvSpPr>
+          <p:nvPr>
+            <p:ph type="sldImg"/>
+          </p:nvPr>
+        </p:nvSpPr>
+        <p:spPr/>
+      </p:sp>
+      <p:sp>
+        <p:nvSpPr>
+          <p:cNvPr id="3" name="Notes Placeholder 2"/>
+          <p:cNvSpPr>
+            <a:spLocks noGrp="1"/>
+          </p:cNvSpPr>
+          <p:nvPr>
+            <p:ph type="body" idx="1"/>
+          </p:nvPr>
+        </p:nvSpPr>
+        <p:spPr/>
+        <p:txBody>
+          <a:bodyPr/>
+          <a:lstStyle/>
+          <a:p>
             <a:endParaRPr lang="en-US"/>
           </a:p>
         </p:txBody>
@@ -7336,7 +8145,7 @@
 </p:notes>
 </file>
 
-<file path=ppt/notesSlides/notesSlide15.xml><?xml version="1.0" encoding="utf-8"?>
+<file path=ppt/notesSlides/notesSlide19.xml><?xml version="1.0" encoding="utf-8"?>
 <p:notes xmlns:a="http://schemas.openxmlformats.org/drawingml/2006/main" xmlns:r="http://schemas.openxmlformats.org/officeDocument/2006/relationships" xmlns:p="http://schemas.openxmlformats.org/presentationml/2006/main">
   <p:cSld>
     <p:spTree>
@@ -7577,7 +8386,172 @@
 </p:notes>
 </file>
 
-<file path=ppt/notesSlides/notesSlide16.xml><?xml version="1.0" encoding="utf-8"?>
+<file path=ppt/notesSlides/notesSlide2.xml><?xml version="1.0" encoding="utf-8"?>
+<p:notes xmlns:a="http://schemas.openxmlformats.org/drawingml/2006/main" xmlns:r="http://schemas.openxmlformats.org/officeDocument/2006/relationships" xmlns:p="http://schemas.openxmlformats.org/presentationml/2006/main">
+  <p:cSld>
+    <p:spTree>
+      <p:nvGrpSpPr>
+        <p:cNvPr id="1" name=""/>
+        <p:cNvGrpSpPr/>
+        <p:nvPr/>
+      </p:nvGrpSpPr>
+      <p:grpSpPr>
+        <a:xfrm>
+          <a:off x="0" y="0"/>
+          <a:ext cx="0" cy="0"/>
+          <a:chOff x="0" y="0"/>
+          <a:chExt cx="0" cy="0"/>
+        </a:xfrm>
+      </p:grpSpPr>
+      <p:sp>
+        <p:nvSpPr>
+          <p:cNvPr id="445442" name="Rectangle 2"/>
+          <p:cNvSpPr>
+            <a:spLocks noGrp="1" noRot="1" noChangeAspect="1" noChangeArrowheads="1" noTextEdit="1"/>
+          </p:cNvSpPr>
+          <p:nvPr>
+            <p:ph type="sldImg"/>
+          </p:nvPr>
+        </p:nvSpPr>
+        <p:spPr>
+          <a:ln/>
+        </p:spPr>
+      </p:sp>
+      <p:sp>
+        <p:nvSpPr>
+          <p:cNvPr id="445443" name="Rectangle 3"/>
+          <p:cNvSpPr>
+            <a:spLocks noGrp="1" noChangeArrowheads="1"/>
+          </p:cNvSpPr>
+          <p:nvPr>
+            <p:ph type="body" idx="1"/>
+          </p:nvPr>
+        </p:nvSpPr>
+        <p:spPr/>
+        <p:txBody>
+          <a:bodyPr/>
+          <a:lstStyle/>
+          <a:p>
+            <a:pPr marL="0" marR="0" lvl="0" indent="0" algn="l" defTabSz="914400" rtl="0" eaLnBrk="1" fontAlgn="auto" latinLnBrk="0" hangingPunct="1">
+              <a:lnSpc>
+                <a:spcPct val="100000"/>
+              </a:lnSpc>
+              <a:spcBef>
+                <a:spcPts val="0"/>
+              </a:spcBef>
+              <a:spcAft>
+                <a:spcPts val="0"/>
+              </a:spcAft>
+              <a:buClrTx/>
+              <a:buSzTx/>
+              <a:buFontTx/>
+              <a:buNone/>
+              <a:tabLst/>
+              <a:defRPr/>
+            </a:pPr>
+            <a:r>
+              <a:rPr lang="en-US" dirty="0"/>
+              <a:t>Asymptotic notations =&gt; </a:t>
+            </a:r>
+            <a:r>
+              <a:rPr lang="en-US" b="0" i="0" dirty="0">
+                <a:effectLst/>
+                <a:latin typeface="Google Sans"/>
+              </a:rPr>
+              <a:t>Big O notation</a:t>
+            </a:r>
+            <a:endParaRPr lang="en-US" dirty="0"/>
+          </a:p>
+        </p:txBody>
+      </p:sp>
+      <p:sp>
+        <p:nvSpPr>
+          <p:cNvPr id="3" name="Slide Number Placeholder 2"/>
+          <p:cNvSpPr>
+            <a:spLocks noGrp="1"/>
+          </p:cNvSpPr>
+          <p:nvPr>
+            <p:ph type="sldNum" sz="quarter" idx="11"/>
+          </p:nvPr>
+        </p:nvSpPr>
+        <p:spPr/>
+        <p:txBody>
+          <a:bodyPr/>
+          <a:lstStyle/>
+          <a:p>
+            <a:fld id="{3EBA5BD7-F043-4D1B-AA17-CD412FC534DE}" type="slidenum">
+              <a:rPr lang="en-US" smtClean="0"/>
+              <a:pPr/>
+              <a:t>2</a:t>
+            </a:fld>
+            <a:endParaRPr lang="en-US" dirty="0"/>
+          </a:p>
+        </p:txBody>
+      </p:sp>
+      <p:sp>
+        <p:nvSpPr>
+          <p:cNvPr id="6" name="Footer Placeholder 7">
+            <a:extLst>
+              <a:ext uri="{FF2B5EF4-FFF2-40B4-BE49-F238E27FC236}">
+                <a16:creationId xmlns:a16="http://schemas.microsoft.com/office/drawing/2014/main" id="{CAC3A49B-3196-44DF-AC28-085C72EFBFF0}"/>
+              </a:ext>
+            </a:extLst>
+          </p:cNvPr>
+          <p:cNvSpPr>
+            <a:spLocks noGrp="1"/>
+          </p:cNvSpPr>
+          <p:nvPr>
+            <p:ph type="ftr" sz="quarter" idx="4"/>
+          </p:nvPr>
+        </p:nvSpPr>
+        <p:spPr>
+          <a:xfrm>
+            <a:off x="-1" y="8847000"/>
+            <a:ext cx="6488999" cy="297000"/>
+          </a:xfrm>
+          <a:prstGeom prst="rect">
+            <a:avLst/>
+          </a:prstGeom>
+        </p:spPr>
+        <p:txBody>
+          <a:bodyPr vert="horz" lIns="91440" tIns="45720" rIns="91440" bIns="45720" rtlCol="0" anchor="b"/>
+          <a:lstStyle>
+            <a:lvl1pPr algn="l">
+              <a:defRPr sz="1100"/>
+            </a:lvl1pPr>
+          </a:lstStyle>
+          <a:p>
+            <a:r>
+              <a:rPr lang="en-US" dirty="0"/>
+              <a:t>© SoftUni – </a:t>
+            </a:r>
+            <a:r>
+              <a:rPr lang="en-US" u="sng" dirty="0">
+                <a:hlinkClick r:id="rId3"/>
+              </a:rPr>
+              <a:t>https://softuni.org</a:t>
+            </a:r>
+            <a:r>
+              <a:rPr lang="en-US" dirty="0"/>
+              <a:t>. Copyrighted document. Unauthorized copy or reproduction is not permitted.</a:t>
+            </a:r>
+          </a:p>
+        </p:txBody>
+      </p:sp>
+    </p:spTree>
+    <p:extLst>
+      <p:ext uri="{BB962C8B-B14F-4D97-AF65-F5344CB8AC3E}">
+        <p14:creationId xmlns:p14="http://schemas.microsoft.com/office/powerpoint/2010/main" val="3246089413"/>
+      </p:ext>
+    </p:extLst>
+  </p:cSld>
+  <p:clrMapOvr>
+    <a:masterClrMapping/>
+  </p:clrMapOvr>
+</p:notes>
+</file>
+
+<file path=ppt/notesSlides/notesSlide20.xml><?xml version="1.0" encoding="utf-8"?>
 <p:notes xmlns:a="http://schemas.openxmlformats.org/drawingml/2006/main" xmlns:r="http://schemas.openxmlformats.org/officeDocument/2006/relationships" xmlns:p="http://schemas.openxmlformats.org/presentationml/2006/main">
   <p:cSld>
     <p:spTree>
@@ -7818,7 +8792,7 @@
 </p:notes>
 </file>
 
-<file path=ppt/notesSlides/notesSlide17.xml><?xml version="1.0" encoding="utf-8"?>
+<file path=ppt/notesSlides/notesSlide21.xml><?xml version="1.0" encoding="utf-8"?>
 <p:notes xmlns:a="http://schemas.openxmlformats.org/drawingml/2006/main" xmlns:r="http://schemas.openxmlformats.org/officeDocument/2006/relationships" xmlns:p="http://schemas.openxmlformats.org/presentationml/2006/main">
   <p:cSld>
     <p:spTree>
@@ -8059,143 +9033,6 @@
 </p:notes>
 </file>
 
-<file path=ppt/notesSlides/notesSlide2.xml><?xml version="1.0" encoding="utf-8"?>
-<p:notes xmlns:a="http://schemas.openxmlformats.org/drawingml/2006/main" xmlns:r="http://schemas.openxmlformats.org/officeDocument/2006/relationships" xmlns:p="http://schemas.openxmlformats.org/presentationml/2006/main">
-  <p:cSld>
-    <p:spTree>
-      <p:nvGrpSpPr>
-        <p:cNvPr id="1" name=""/>
-        <p:cNvGrpSpPr/>
-        <p:nvPr/>
-      </p:nvGrpSpPr>
-      <p:grpSpPr>
-        <a:xfrm>
-          <a:off x="0" y="0"/>
-          <a:ext cx="0" cy="0"/>
-          <a:chOff x="0" y="0"/>
-          <a:chExt cx="0" cy="0"/>
-        </a:xfrm>
-      </p:grpSpPr>
-      <p:sp>
-        <p:nvSpPr>
-          <p:cNvPr id="445442" name="Rectangle 2"/>
-          <p:cNvSpPr>
-            <a:spLocks noGrp="1" noRot="1" noChangeAspect="1" noChangeArrowheads="1" noTextEdit="1"/>
-          </p:cNvSpPr>
-          <p:nvPr>
-            <p:ph type="sldImg"/>
-          </p:nvPr>
-        </p:nvSpPr>
-        <p:spPr>
-          <a:ln/>
-        </p:spPr>
-      </p:sp>
-      <p:sp>
-        <p:nvSpPr>
-          <p:cNvPr id="445443" name="Rectangle 3"/>
-          <p:cNvSpPr>
-            <a:spLocks noGrp="1" noChangeArrowheads="1"/>
-          </p:cNvSpPr>
-          <p:nvPr>
-            <p:ph type="body" idx="1"/>
-          </p:nvPr>
-        </p:nvSpPr>
-        <p:spPr/>
-        <p:txBody>
-          <a:bodyPr/>
-          <a:lstStyle/>
-          <a:p>
-            <a:endParaRPr lang="bg-BG"/>
-          </a:p>
-        </p:txBody>
-      </p:sp>
-      <p:sp>
-        <p:nvSpPr>
-          <p:cNvPr id="3" name="Slide Number Placeholder 2"/>
-          <p:cNvSpPr>
-            <a:spLocks noGrp="1"/>
-          </p:cNvSpPr>
-          <p:nvPr>
-            <p:ph type="sldNum" sz="quarter" idx="11"/>
-          </p:nvPr>
-        </p:nvSpPr>
-        <p:spPr/>
-        <p:txBody>
-          <a:bodyPr/>
-          <a:lstStyle/>
-          <a:p>
-            <a:fld id="{3EBA5BD7-F043-4D1B-AA17-CD412FC534DE}" type="slidenum">
-              <a:rPr lang="en-US" smtClean="0"/>
-              <a:pPr/>
-              <a:t>2</a:t>
-            </a:fld>
-            <a:endParaRPr lang="en-US" dirty="0"/>
-          </a:p>
-        </p:txBody>
-      </p:sp>
-      <p:sp>
-        <p:nvSpPr>
-          <p:cNvPr id="6" name="Footer Placeholder 7">
-            <a:extLst>
-              <a:ext uri="{FF2B5EF4-FFF2-40B4-BE49-F238E27FC236}">
-                <a16:creationId xmlns:a16="http://schemas.microsoft.com/office/drawing/2014/main" id="{CAC3A49B-3196-44DF-AC28-085C72EFBFF0}"/>
-              </a:ext>
-            </a:extLst>
-          </p:cNvPr>
-          <p:cNvSpPr>
-            <a:spLocks noGrp="1"/>
-          </p:cNvSpPr>
-          <p:nvPr>
-            <p:ph type="ftr" sz="quarter" idx="4"/>
-          </p:nvPr>
-        </p:nvSpPr>
-        <p:spPr>
-          <a:xfrm>
-            <a:off x="-1" y="8847000"/>
-            <a:ext cx="6488999" cy="297000"/>
-          </a:xfrm>
-          <a:prstGeom prst="rect">
-            <a:avLst/>
-          </a:prstGeom>
-        </p:spPr>
-        <p:txBody>
-          <a:bodyPr vert="horz" lIns="91440" tIns="45720" rIns="91440" bIns="45720" rtlCol="0" anchor="b"/>
-          <a:lstStyle>
-            <a:lvl1pPr algn="l">
-              <a:defRPr sz="1100"/>
-            </a:lvl1pPr>
-          </a:lstStyle>
-          <a:p>
-            <a:r>
-              <a:rPr lang="en-US" dirty="0"/>
-              <a:t>© SoftUni – </a:t>
-            </a:r>
-            <a:r>
-              <a:rPr lang="en-US" u="sng" dirty="0">
-                <a:hlinkClick r:id="rId3"/>
-              </a:rPr>
-              <a:t>https://softuni.org</a:t>
-            </a:r>
-            <a:r>
-              <a:rPr lang="en-US" dirty="0"/>
-              <a:t>. Copyrighted document. Unauthorized copy or reproduction is not permitted.</a:t>
-            </a:r>
-          </a:p>
-        </p:txBody>
-      </p:sp>
-    </p:spTree>
-    <p:extLst>
-      <p:ext uri="{BB962C8B-B14F-4D97-AF65-F5344CB8AC3E}">
-        <p14:creationId xmlns:p14="http://schemas.microsoft.com/office/powerpoint/2010/main" val="3246089413"/>
-      </p:ext>
-    </p:extLst>
-  </p:cSld>
-  <p:clrMapOvr>
-    <a:masterClrMapping/>
-  </p:clrMapOvr>
-</p:notes>
-</file>
-
 <file path=ppt/notesSlides/notesSlide3.xml><?xml version="1.0" encoding="utf-8"?>
 <p:notes xmlns:a="http://schemas.openxmlformats.org/drawingml/2006/main" xmlns:r="http://schemas.openxmlformats.org/officeDocument/2006/relationships" xmlns:p="http://schemas.openxmlformats.org/presentationml/2006/main">
   <p:cSld>
@@ -8240,6 +9077,903 @@
           <a:bodyPr/>
           <a:lstStyle/>
           <a:p>
+            <a:pPr marL="0" marR="0" lvl="0" indent="0" algn="l" defTabSz="914400" rtl="0" eaLnBrk="1" fontAlgn="auto" latinLnBrk="0" hangingPunct="1">
+              <a:lnSpc>
+                <a:spcPct val="100000"/>
+              </a:lnSpc>
+              <a:spcBef>
+                <a:spcPts val="0"/>
+              </a:spcBef>
+              <a:spcAft>
+                <a:spcPts val="0"/>
+              </a:spcAft>
+              <a:buClrTx/>
+              <a:buSzTx/>
+              <a:buFontTx/>
+              <a:buNone/>
+              <a:tabLst/>
+              <a:defRPr/>
+            </a:pPr>
+            <a:r>
+              <a:rPr lang="bg-BG" dirty="0"/>
+              <a:t>Паметта е </a:t>
+            </a:r>
+            <a:r>
+              <a:rPr lang="bg-BG" dirty="0">
+                <a:effectLst/>
+                <a:latin typeface="Segoe UI Web (Cyrillic)"/>
+              </a:rPr>
+              <a:t>Адресируема</a:t>
+            </a:r>
+          </a:p>
+        </p:txBody>
+      </p:sp>
+      <p:sp>
+        <p:nvSpPr>
+          <p:cNvPr id="4" name="Slide Number Placeholder 3"/>
+          <p:cNvSpPr>
+            <a:spLocks noGrp="1"/>
+          </p:cNvSpPr>
+          <p:nvPr>
+            <p:ph type="sldNum" sz="quarter" idx="5"/>
+          </p:nvPr>
+        </p:nvSpPr>
+        <p:spPr/>
+        <p:txBody>
+          <a:bodyPr/>
+          <a:lstStyle/>
+          <a:p>
+            <a:fld id="{2BF067CD-8E6B-4360-9AA8-C5DF2A48A6D1}" type="slidenum">
+              <a:rPr lang="en-US" smtClean="0"/>
+              <a:t>5</a:t>
+            </a:fld>
+            <a:endParaRPr lang="en-US" dirty="0"/>
+          </a:p>
+        </p:txBody>
+      </p:sp>
+      <p:sp>
+        <p:nvSpPr>
+          <p:cNvPr id="5" name="Footer Placeholder 4"/>
+          <p:cNvSpPr>
+            <a:spLocks noGrp="1"/>
+          </p:cNvSpPr>
+          <p:nvPr>
+            <p:ph type="ftr" sz="quarter" idx="4"/>
+          </p:nvPr>
+        </p:nvSpPr>
+        <p:spPr/>
+        <p:txBody>
+          <a:bodyPr/>
+          <a:lstStyle/>
+          <a:p>
+            <a:r>
+              <a:rPr lang="en-US"/>
+              <a:t>© SoftUni – </a:t>
+            </a:r>
+            <a:r>
+              <a:rPr lang="en-US" u="sng">
+                <a:hlinkClick r:id="rId3"/>
+              </a:rPr>
+              <a:t>https://softuni.org</a:t>
+            </a:r>
+            <a:r>
+              <a:rPr lang="en-US"/>
+              <a:t>. Copyrighted document. Unauthorized copy or reproduction is not permitted.</a:t>
+            </a:r>
+            <a:endParaRPr lang="en-US" dirty="0"/>
+          </a:p>
+        </p:txBody>
+      </p:sp>
+    </p:spTree>
+    <p:extLst>
+      <p:ext uri="{BB962C8B-B14F-4D97-AF65-F5344CB8AC3E}">
+        <p14:creationId xmlns:p14="http://schemas.microsoft.com/office/powerpoint/2010/main" val="2353858841"/>
+      </p:ext>
+    </p:extLst>
+  </p:cSld>
+  <p:clrMapOvr>
+    <a:masterClrMapping/>
+  </p:clrMapOvr>
+</p:notes>
+</file>
+
+<file path=ppt/notesSlides/notesSlide4.xml><?xml version="1.0" encoding="utf-8"?>
+<p:notes xmlns:a="http://schemas.openxmlformats.org/drawingml/2006/main" xmlns:r="http://schemas.openxmlformats.org/officeDocument/2006/relationships" xmlns:p="http://schemas.openxmlformats.org/presentationml/2006/main">
+  <p:cSld>
+    <p:spTree>
+      <p:nvGrpSpPr>
+        <p:cNvPr id="1" name=""/>
+        <p:cNvGrpSpPr/>
+        <p:nvPr/>
+      </p:nvGrpSpPr>
+      <p:grpSpPr>
+        <a:xfrm>
+          <a:off x="0" y="0"/>
+          <a:ext cx="0" cy="0"/>
+          <a:chOff x="0" y="0"/>
+          <a:chExt cx="0" cy="0"/>
+        </a:xfrm>
+      </p:grpSpPr>
+      <p:sp>
+        <p:nvSpPr>
+          <p:cNvPr id="2" name="Slide Image Placeholder 1"/>
+          <p:cNvSpPr>
+            <a:spLocks noGrp="1" noRot="1" noChangeAspect="1"/>
+          </p:cNvSpPr>
+          <p:nvPr>
+            <p:ph type="sldImg"/>
+          </p:nvPr>
+        </p:nvSpPr>
+        <p:spPr/>
+      </p:sp>
+      <p:sp>
+        <p:nvSpPr>
+          <p:cNvPr id="3" name="Notes Placeholder 2"/>
+          <p:cNvSpPr>
+            <a:spLocks noGrp="1"/>
+          </p:cNvSpPr>
+          <p:nvPr>
+            <p:ph type="body" idx="1"/>
+          </p:nvPr>
+        </p:nvSpPr>
+        <p:spPr/>
+        <p:txBody>
+          <a:bodyPr/>
+          <a:lstStyle/>
+          <a:p>
+            <a:pPr marL="0" marR="0" lvl="0" indent="0" algn="l" defTabSz="914400" rtl="0" eaLnBrk="1" fontAlgn="auto" latinLnBrk="0" hangingPunct="1">
+              <a:lnSpc>
+                <a:spcPct val="100000"/>
+              </a:lnSpc>
+              <a:spcBef>
+                <a:spcPts val="0"/>
+              </a:spcBef>
+              <a:spcAft>
+                <a:spcPts val="0"/>
+              </a:spcAft>
+              <a:buClrTx/>
+              <a:buSzTx/>
+              <a:buFontTx/>
+              <a:buNone/>
+              <a:tabLst/>
+              <a:defRPr/>
+            </a:pPr>
+            <a:r>
+              <a:rPr lang="en-US" dirty="0"/>
+              <a:t>Binary - </a:t>
+            </a:r>
+            <a:r>
+              <a:rPr lang="ru-RU" b="0" i="0" dirty="0">
+                <a:solidFill>
+                  <a:srgbClr val="CFC2AD"/>
+                </a:solidFill>
+                <a:effectLst/>
+                <a:latin typeface="arial" panose="020B0604020202020204" pitchFamily="34" charset="0"/>
+              </a:rPr>
+              <a:t>Двоичната бройна система е позиционна бройна система с основа 2, при която числата се изобразяват само с помощта на две цифри: 0 и 1.</a:t>
+            </a:r>
+            <a:endParaRPr lang="en-US" dirty="0"/>
+          </a:p>
+          <a:p>
+            <a:pPr marL="0" marR="0" lvl="0" indent="0" algn="l" defTabSz="914400" rtl="0" eaLnBrk="1" fontAlgn="auto" latinLnBrk="0" hangingPunct="1">
+              <a:lnSpc>
+                <a:spcPct val="100000"/>
+              </a:lnSpc>
+              <a:spcBef>
+                <a:spcPts val="0"/>
+              </a:spcBef>
+              <a:spcAft>
+                <a:spcPts val="0"/>
+              </a:spcAft>
+              <a:buClrTx/>
+              <a:buSzTx/>
+              <a:buFontTx/>
+              <a:buNone/>
+              <a:tabLst/>
+              <a:defRPr/>
+            </a:pPr>
+            <a:endParaRPr lang="en-US" dirty="0"/>
+          </a:p>
+          <a:p>
+            <a:pPr marL="0" marR="0" lvl="0" indent="0" algn="l" defTabSz="914400" rtl="0" eaLnBrk="1" fontAlgn="auto" latinLnBrk="0" hangingPunct="1">
+              <a:lnSpc>
+                <a:spcPct val="100000"/>
+              </a:lnSpc>
+              <a:spcBef>
+                <a:spcPts val="0"/>
+              </a:spcBef>
+              <a:spcAft>
+                <a:spcPts val="0"/>
+              </a:spcAft>
+              <a:buClrTx/>
+              <a:buSzTx/>
+              <a:buFontTx/>
+              <a:buNone/>
+              <a:tabLst/>
+              <a:defRPr/>
+            </a:pPr>
+            <a:r>
+              <a:rPr lang="en-US" b="0" i="0" dirty="0">
+                <a:solidFill>
+                  <a:srgbClr val="FFF5DD"/>
+                </a:solidFill>
+                <a:effectLst/>
+                <a:latin typeface="Arial" panose="020B0604020202020204" pitchFamily="34" charset="0"/>
+              </a:rPr>
+              <a:t>The </a:t>
+            </a:r>
+            <a:r>
+              <a:rPr lang="en-US" dirty="0"/>
+              <a:t>0x</a:t>
+            </a:r>
+            <a:r>
+              <a:rPr lang="en-US" b="0" i="0" dirty="0">
+                <a:solidFill>
+                  <a:srgbClr val="FFF5DD"/>
+                </a:solidFill>
+                <a:effectLst/>
+                <a:latin typeface="Arial" panose="020B0604020202020204" pitchFamily="34" charset="0"/>
+              </a:rPr>
+              <a:t> prefix means hexadecimal and it's a way to tell programs, contracts, APIs that the input should be interpreted as a hexadecimal number (we'll shorten to hex). </a:t>
+            </a:r>
+            <a:r>
+              <a:rPr lang="en-US" dirty="0"/>
+              <a:t>0x0</a:t>
+            </a:r>
+            <a:r>
+              <a:rPr lang="en-US" b="0" i="0" dirty="0">
+                <a:solidFill>
+                  <a:srgbClr val="FFF5DD"/>
+                </a:solidFill>
+                <a:effectLst/>
+                <a:latin typeface="Arial" panose="020B0604020202020204" pitchFamily="34" charset="0"/>
+              </a:rPr>
+              <a:t> is actually </a:t>
+            </a:r>
+            <a:r>
+              <a:rPr lang="en-US" dirty="0"/>
+              <a:t>0</a:t>
+            </a:r>
+            <a:r>
+              <a:rPr lang="en-US" b="0" i="0" dirty="0">
+                <a:solidFill>
+                  <a:srgbClr val="FFF5DD"/>
+                </a:solidFill>
+                <a:effectLst/>
+                <a:latin typeface="Arial" panose="020B0604020202020204" pitchFamily="34" charset="0"/>
+              </a:rPr>
+              <a:t> but in hex.</a:t>
+            </a:r>
+          </a:p>
+          <a:p>
+            <a:pPr marL="0" marR="0" lvl="0" indent="0" algn="l" defTabSz="914400" rtl="0" eaLnBrk="1" fontAlgn="auto" latinLnBrk="0" hangingPunct="1">
+              <a:lnSpc>
+                <a:spcPct val="100000"/>
+              </a:lnSpc>
+              <a:spcBef>
+                <a:spcPts val="0"/>
+              </a:spcBef>
+              <a:spcAft>
+                <a:spcPts val="0"/>
+              </a:spcAft>
+              <a:buClrTx/>
+              <a:buSzTx/>
+              <a:buFontTx/>
+              <a:buNone/>
+              <a:tabLst/>
+              <a:defRPr/>
+            </a:pPr>
+            <a:endParaRPr lang="en-US" dirty="0"/>
+          </a:p>
+          <a:p>
+            <a:pPr marL="0" marR="0" lvl="0" indent="0" algn="l" defTabSz="914400" rtl="0" eaLnBrk="1" fontAlgn="auto" latinLnBrk="0" hangingPunct="1">
+              <a:lnSpc>
+                <a:spcPct val="100000"/>
+              </a:lnSpc>
+              <a:spcBef>
+                <a:spcPts val="0"/>
+              </a:spcBef>
+              <a:spcAft>
+                <a:spcPts val="0"/>
+              </a:spcAft>
+              <a:buClrTx/>
+              <a:buSzTx/>
+              <a:buFontTx/>
+              <a:buNone/>
+              <a:tabLst/>
+              <a:defRPr/>
+            </a:pPr>
+            <a:r>
+              <a:rPr lang="en-US" sz="1200" dirty="0"/>
+              <a:t>addresses numbered in hexadecimal, prefixed with </a:t>
+            </a:r>
+            <a:r>
+              <a:rPr lang="en-US" sz="1200" b="1" dirty="0">
+                <a:solidFill>
+                  <a:schemeClr val="bg1"/>
+                </a:solidFill>
+                <a:latin typeface="Consolas" panose="020B0609020204030204" pitchFamily="49" charset="0"/>
+              </a:rPr>
+              <a:t>0x</a:t>
+            </a:r>
+            <a:endParaRPr lang="bg-BG" sz="1200" b="1" dirty="0">
+              <a:solidFill>
+                <a:schemeClr val="bg1"/>
+              </a:solidFill>
+              <a:latin typeface="Consolas" panose="020B0609020204030204" pitchFamily="49" charset="0"/>
+            </a:endParaRPr>
+          </a:p>
+          <a:p>
+            <a:pPr marL="0" marR="0" lvl="0" indent="0" algn="l" defTabSz="914400" rtl="0" eaLnBrk="1" fontAlgn="auto" latinLnBrk="0" hangingPunct="1">
+              <a:lnSpc>
+                <a:spcPct val="100000"/>
+              </a:lnSpc>
+              <a:spcBef>
+                <a:spcPts val="0"/>
+              </a:spcBef>
+              <a:spcAft>
+                <a:spcPts val="0"/>
+              </a:spcAft>
+              <a:buClrTx/>
+              <a:buSzTx/>
+              <a:buFontTx/>
+              <a:buNone/>
+              <a:tabLst/>
+              <a:defRPr/>
+            </a:pPr>
+            <a:endParaRPr lang="en-US" dirty="0"/>
+          </a:p>
+          <a:p>
+            <a:pPr marL="0" marR="0" lvl="0" indent="0" algn="l" defTabSz="914400" rtl="0" eaLnBrk="1" fontAlgn="auto" latinLnBrk="0" hangingPunct="1">
+              <a:lnSpc>
+                <a:spcPct val="100000"/>
+              </a:lnSpc>
+              <a:spcBef>
+                <a:spcPts val="0"/>
+              </a:spcBef>
+              <a:spcAft>
+                <a:spcPts val="0"/>
+              </a:spcAft>
+              <a:buClrTx/>
+              <a:buSzTx/>
+              <a:buFontTx/>
+              <a:buNone/>
+              <a:tabLst/>
+              <a:defRPr/>
+            </a:pPr>
+            <a:r>
+              <a:rPr lang="bg-BG" dirty="0"/>
+              <a:t>Имаме някакъв адрес в паметта в </a:t>
+            </a:r>
+            <a:r>
+              <a:rPr lang="en-US" sz="1200" dirty="0"/>
+              <a:t>hexadecimal</a:t>
+            </a:r>
+            <a:r>
+              <a:rPr lang="bg-BG" sz="1200" dirty="0"/>
+              <a:t>(</a:t>
+            </a:r>
+            <a:r>
+              <a:rPr lang="bg-BG" dirty="0">
+                <a:effectLst/>
+                <a:latin typeface="Segoe UI Web (Cyrillic)"/>
+              </a:rPr>
+              <a:t>Шестнадесетичен) вид</a:t>
+            </a:r>
+          </a:p>
+          <a:p>
+            <a:pPr marL="0" marR="0" lvl="0" indent="0" algn="l" defTabSz="914400" rtl="0" eaLnBrk="1" fontAlgn="auto" latinLnBrk="0" hangingPunct="1">
+              <a:lnSpc>
+                <a:spcPct val="100000"/>
+              </a:lnSpc>
+              <a:spcBef>
+                <a:spcPts val="0"/>
+              </a:spcBef>
+              <a:spcAft>
+                <a:spcPts val="0"/>
+              </a:spcAft>
+              <a:buClrTx/>
+              <a:buSzTx/>
+              <a:buFontTx/>
+              <a:buNone/>
+              <a:tabLst/>
+              <a:defRPr/>
+            </a:pPr>
+            <a:endParaRPr lang="en-US" dirty="0">
+              <a:effectLst/>
+              <a:latin typeface="Segoe UI Web (Cyrillic)"/>
+            </a:endParaRPr>
+          </a:p>
+          <a:p>
+            <a:pPr marL="0" marR="0" lvl="0" indent="0" algn="l" defTabSz="914400" rtl="0" eaLnBrk="1" fontAlgn="auto" latinLnBrk="0" hangingPunct="1">
+              <a:lnSpc>
+                <a:spcPct val="100000"/>
+              </a:lnSpc>
+              <a:spcBef>
+                <a:spcPts val="0"/>
+              </a:spcBef>
+              <a:spcAft>
+                <a:spcPts val="0"/>
+              </a:spcAft>
+              <a:buClrTx/>
+              <a:buSzTx/>
+              <a:buFontTx/>
+              <a:buNone/>
+              <a:tabLst/>
+              <a:defRPr/>
+            </a:pPr>
+            <a:r>
+              <a:rPr lang="bg-BG" dirty="0">
+                <a:effectLst/>
+                <a:latin typeface="Segoe UI Web (Cyrillic)"/>
+              </a:rPr>
+              <a:t>Когато запишем една променлива от тип инт която е равно на</a:t>
+            </a:r>
+            <a:r>
+              <a:rPr lang="en-US" dirty="0">
+                <a:effectLst/>
+                <a:latin typeface="Segoe UI Web (Cyrillic)"/>
+              </a:rPr>
+              <a:t> 13</a:t>
+            </a:r>
+            <a:endParaRPr lang="bg-BG" dirty="0">
+              <a:effectLst/>
+              <a:latin typeface="Segoe UI Web (Cyrillic)"/>
+            </a:endParaRPr>
+          </a:p>
+          <a:p>
+            <a:pPr marL="0" marR="0" lvl="0" indent="0" algn="l" defTabSz="914400" rtl="0" eaLnBrk="1" fontAlgn="auto" latinLnBrk="0" hangingPunct="1">
+              <a:lnSpc>
+                <a:spcPct val="100000"/>
+              </a:lnSpc>
+              <a:spcBef>
+                <a:spcPts val="0"/>
+              </a:spcBef>
+              <a:spcAft>
+                <a:spcPts val="0"/>
+              </a:spcAft>
+              <a:buClrTx/>
+              <a:buSzTx/>
+              <a:buFontTx/>
+              <a:buNone/>
+              <a:tabLst/>
+              <a:defRPr/>
+            </a:pPr>
+            <a:r>
+              <a:rPr lang="bg-BG" dirty="0">
+                <a:effectLst/>
+                <a:latin typeface="Segoe UI Web (Cyrillic)"/>
+              </a:rPr>
+              <a:t>Тя се запазва в някакъв адрес в паметта, който е в шестнадесетична бройна система</a:t>
+            </a:r>
+            <a:r>
+              <a:rPr lang="en-US" dirty="0">
+                <a:effectLst/>
+                <a:latin typeface="Segoe UI Web (Cyrillic)"/>
+              </a:rPr>
+              <a:t> (</a:t>
+            </a:r>
+            <a:r>
+              <a:rPr lang="bg-BG" dirty="0">
+                <a:effectLst/>
+                <a:latin typeface="Segoe UI Web (Cyrillic)"/>
+              </a:rPr>
+              <a:t>да кажем 0х0)</a:t>
+            </a:r>
+          </a:p>
+          <a:p>
+            <a:pPr marL="0" marR="0" lvl="0" indent="0" algn="l" defTabSz="914400" rtl="0" eaLnBrk="1" fontAlgn="auto" latinLnBrk="0" hangingPunct="1">
+              <a:lnSpc>
+                <a:spcPct val="100000"/>
+              </a:lnSpc>
+              <a:spcBef>
+                <a:spcPts val="0"/>
+              </a:spcBef>
+              <a:spcAft>
+                <a:spcPts val="0"/>
+              </a:spcAft>
+              <a:buClrTx/>
+              <a:buSzTx/>
+              <a:buFontTx/>
+              <a:buNone/>
+              <a:tabLst/>
+              <a:defRPr/>
+            </a:pPr>
+            <a:r>
+              <a:rPr lang="bg-BG" dirty="0">
+                <a:effectLst/>
+                <a:latin typeface="Segoe UI Web (Cyrillic)"/>
+              </a:rPr>
+              <a:t>Със стойност </a:t>
+            </a:r>
+            <a:r>
+              <a:rPr lang="en-US" sz="1200" b="0" i="0" kern="1200" dirty="0">
+                <a:solidFill>
+                  <a:schemeClr val="dk1"/>
+                </a:solidFill>
+                <a:effectLst/>
+                <a:latin typeface="+mn-lt"/>
+                <a:ea typeface="+mn-ea"/>
+                <a:cs typeface="+mn-cs"/>
+              </a:rPr>
+              <a:t>00001101</a:t>
+            </a:r>
+            <a:endParaRPr lang="bg-BG" sz="1200" b="0" i="0" kern="1200" dirty="0">
+              <a:solidFill>
+                <a:schemeClr val="dk1"/>
+              </a:solidFill>
+              <a:effectLst/>
+              <a:latin typeface="+mn-lt"/>
+              <a:ea typeface="+mn-ea"/>
+              <a:cs typeface="+mn-cs"/>
+            </a:endParaRPr>
+          </a:p>
+          <a:p>
+            <a:pPr marL="0" marR="0" lvl="0" indent="0" algn="l" defTabSz="914400" rtl="0" eaLnBrk="1" fontAlgn="auto" latinLnBrk="0" hangingPunct="1">
+              <a:lnSpc>
+                <a:spcPct val="100000"/>
+              </a:lnSpc>
+              <a:spcBef>
+                <a:spcPts val="0"/>
+              </a:spcBef>
+              <a:spcAft>
+                <a:spcPts val="0"/>
+              </a:spcAft>
+              <a:buClrTx/>
+              <a:buSzTx/>
+              <a:buFontTx/>
+              <a:buNone/>
+              <a:tabLst/>
+              <a:defRPr/>
+            </a:pPr>
+            <a:endParaRPr lang="bg-BG" sz="1200" b="0" i="0" kern="1200" dirty="0">
+              <a:solidFill>
+                <a:schemeClr val="dk1"/>
+              </a:solidFill>
+              <a:effectLst/>
+              <a:latin typeface="+mn-lt"/>
+              <a:ea typeface="+mn-ea"/>
+              <a:cs typeface="+mn-cs"/>
+            </a:endParaRPr>
+          </a:p>
+          <a:p>
+            <a:pPr marL="0" marR="0" lvl="0" indent="0" algn="l" defTabSz="914400" rtl="0" eaLnBrk="1" fontAlgn="auto" latinLnBrk="0" hangingPunct="1">
+              <a:lnSpc>
+                <a:spcPct val="100000"/>
+              </a:lnSpc>
+              <a:spcBef>
+                <a:spcPts val="0"/>
+              </a:spcBef>
+              <a:spcAft>
+                <a:spcPts val="0"/>
+              </a:spcAft>
+              <a:buClrTx/>
+              <a:buSzTx/>
+              <a:buFontTx/>
+              <a:buNone/>
+              <a:tabLst/>
+              <a:defRPr/>
+            </a:pPr>
+            <a:r>
+              <a:rPr lang="bg-BG" dirty="0">
+                <a:effectLst/>
+                <a:latin typeface="Segoe UI Web (Cyrillic)"/>
+              </a:rPr>
+              <a:t>Може да си го представим като речник: </a:t>
+            </a:r>
+          </a:p>
+          <a:p>
+            <a:pPr marL="0" marR="0" lvl="0" indent="0" algn="l" defTabSz="914400" rtl="0" eaLnBrk="1" fontAlgn="auto" latinLnBrk="0" hangingPunct="1">
+              <a:lnSpc>
+                <a:spcPct val="100000"/>
+              </a:lnSpc>
+              <a:spcBef>
+                <a:spcPts val="0"/>
+              </a:spcBef>
+              <a:spcAft>
+                <a:spcPts val="0"/>
+              </a:spcAft>
+              <a:buClrTx/>
+              <a:buSzTx/>
+              <a:buFontTx/>
+              <a:buNone/>
+              <a:tabLst/>
+              <a:defRPr/>
+            </a:pPr>
+            <a:r>
+              <a:rPr lang="bg-BG" dirty="0">
+                <a:effectLst/>
+                <a:latin typeface="Segoe UI Web (Cyrillic)"/>
+              </a:rPr>
+              <a:t>ключ: адрес ; стойност: бит</a:t>
+            </a:r>
+            <a:r>
+              <a:rPr lang="en-US" dirty="0">
+                <a:effectLst/>
+                <a:latin typeface="Segoe UI Web (Cyrillic)"/>
+              </a:rPr>
+              <a:t> </a:t>
+            </a:r>
+            <a:r>
+              <a:rPr lang="bg-BG" dirty="0">
+                <a:effectLst/>
+                <a:latin typeface="Segoe UI Web (Cyrillic)"/>
+              </a:rPr>
+              <a:t>(</a:t>
+            </a:r>
+            <a:r>
+              <a:rPr lang="en-US" dirty="0">
+                <a:effectLst/>
+                <a:latin typeface="Segoe UI Web (Cyrillic)"/>
+              </a:rPr>
+              <a:t>binary</a:t>
+            </a:r>
+            <a:r>
+              <a:rPr lang="bg-BG" dirty="0">
+                <a:effectLst/>
+                <a:latin typeface="Segoe UI Web (Cyrillic)"/>
+              </a:rPr>
+              <a:t>)</a:t>
+            </a:r>
+          </a:p>
+          <a:p>
+            <a:pPr marL="0" marR="0" lvl="0" indent="0" algn="l" defTabSz="914400" rtl="0" eaLnBrk="1" fontAlgn="auto" latinLnBrk="0" hangingPunct="1">
+              <a:lnSpc>
+                <a:spcPct val="100000"/>
+              </a:lnSpc>
+              <a:spcBef>
+                <a:spcPts val="0"/>
+              </a:spcBef>
+              <a:spcAft>
+                <a:spcPts val="0"/>
+              </a:spcAft>
+              <a:buClrTx/>
+              <a:buSzTx/>
+              <a:buFontTx/>
+              <a:buNone/>
+              <a:tabLst/>
+              <a:defRPr/>
+            </a:pPr>
+            <a:endParaRPr lang="bg-BG" dirty="0">
+              <a:effectLst/>
+              <a:latin typeface="Segoe UI Web (Cyrillic)"/>
+            </a:endParaRPr>
+          </a:p>
+          <a:p>
+            <a:pPr marL="0" marR="0" lvl="0" indent="0" algn="l" defTabSz="914400" rtl="0" eaLnBrk="1" fontAlgn="auto" latinLnBrk="0" hangingPunct="1">
+              <a:lnSpc>
+                <a:spcPct val="100000"/>
+              </a:lnSpc>
+              <a:spcBef>
+                <a:spcPts val="0"/>
+              </a:spcBef>
+              <a:spcAft>
+                <a:spcPts val="0"/>
+              </a:spcAft>
+              <a:buClrTx/>
+              <a:buSzTx/>
+              <a:buFontTx/>
+              <a:buNone/>
+              <a:tabLst/>
+              <a:defRPr/>
+            </a:pPr>
+            <a:r>
+              <a:rPr lang="bg-BG" dirty="0">
+                <a:effectLst/>
+                <a:latin typeface="Segoe UI Web (Cyrillic)"/>
+              </a:rPr>
+              <a:t>В случая адреса е 0х0, а променливата от тип инт която е равна на 13 в </a:t>
+            </a:r>
+            <a:r>
+              <a:rPr lang="en-US" dirty="0">
+                <a:effectLst/>
+                <a:latin typeface="Segoe UI Web (Cyrillic)"/>
+              </a:rPr>
+              <a:t>binary (</a:t>
+            </a:r>
+            <a:r>
+              <a:rPr lang="bg-BG" b="0" i="0" dirty="0">
+                <a:solidFill>
+                  <a:srgbClr val="CFC2AD"/>
+                </a:solidFill>
+                <a:effectLst/>
+                <a:latin typeface="arial" panose="020B0604020202020204" pitchFamily="34" charset="0"/>
+              </a:rPr>
+              <a:t>д</a:t>
+            </a:r>
+            <a:r>
+              <a:rPr lang="ru-RU" b="0" i="0" dirty="0">
+                <a:solidFill>
+                  <a:srgbClr val="CFC2AD"/>
+                </a:solidFill>
+                <a:effectLst/>
+                <a:latin typeface="arial" panose="020B0604020202020204" pitchFamily="34" charset="0"/>
+              </a:rPr>
+              <a:t>воичната бройна</a:t>
+            </a:r>
+            <a:r>
+              <a:rPr lang="en-US" b="0" i="0" dirty="0">
+                <a:solidFill>
+                  <a:srgbClr val="CFC2AD"/>
+                </a:solidFill>
+                <a:effectLst/>
+                <a:latin typeface="arial" panose="020B0604020202020204" pitchFamily="34" charset="0"/>
+              </a:rPr>
+              <a:t> </a:t>
+            </a:r>
+            <a:r>
+              <a:rPr lang="bg-BG" b="0" i="0" dirty="0">
+                <a:solidFill>
+                  <a:srgbClr val="CFC2AD"/>
+                </a:solidFill>
+                <a:effectLst/>
+                <a:latin typeface="arial" panose="020B0604020202020204" pitchFamily="34" charset="0"/>
+              </a:rPr>
+              <a:t>система</a:t>
+            </a:r>
+            <a:r>
+              <a:rPr lang="en-US" b="0" i="0" dirty="0">
+                <a:solidFill>
+                  <a:srgbClr val="CFC2AD"/>
+                </a:solidFill>
+                <a:effectLst/>
+                <a:latin typeface="arial" panose="020B0604020202020204" pitchFamily="34" charset="0"/>
+              </a:rPr>
+              <a:t>)</a:t>
+            </a:r>
+            <a:r>
+              <a:rPr lang="bg-BG" b="0" i="0" dirty="0">
+                <a:solidFill>
+                  <a:srgbClr val="CFC2AD"/>
+                </a:solidFill>
+                <a:effectLst/>
+                <a:latin typeface="arial" panose="020B0604020202020204" pitchFamily="34" charset="0"/>
+              </a:rPr>
+              <a:t> е 1101</a:t>
+            </a:r>
+            <a:endParaRPr lang="en-US" dirty="0">
+              <a:effectLst/>
+              <a:latin typeface="Segoe UI Web (Cyrillic)"/>
+            </a:endParaRPr>
+          </a:p>
+          <a:p>
+            <a:pPr marL="0" marR="0" lvl="0" indent="0" algn="l" defTabSz="914400" rtl="0" eaLnBrk="1" fontAlgn="auto" latinLnBrk="0" hangingPunct="1">
+              <a:lnSpc>
+                <a:spcPct val="100000"/>
+              </a:lnSpc>
+              <a:spcBef>
+                <a:spcPts val="0"/>
+              </a:spcBef>
+              <a:spcAft>
+                <a:spcPts val="0"/>
+              </a:spcAft>
+              <a:buClrTx/>
+              <a:buSzTx/>
+              <a:buFontTx/>
+              <a:buNone/>
+              <a:tabLst/>
+              <a:defRPr/>
+            </a:pPr>
+            <a:endParaRPr lang="en-US" dirty="0">
+              <a:effectLst/>
+              <a:latin typeface="Segoe UI Web (Cyrillic)"/>
+            </a:endParaRPr>
+          </a:p>
+        </p:txBody>
+      </p:sp>
+      <p:sp>
+        <p:nvSpPr>
+          <p:cNvPr id="4" name="Slide Number Placeholder 3"/>
+          <p:cNvSpPr>
+            <a:spLocks noGrp="1"/>
+          </p:cNvSpPr>
+          <p:nvPr>
+            <p:ph type="sldNum" sz="quarter" idx="5"/>
+          </p:nvPr>
+        </p:nvSpPr>
+        <p:spPr/>
+        <p:txBody>
+          <a:bodyPr/>
+          <a:lstStyle/>
+          <a:p>
+            <a:fld id="{2BF067CD-8E6B-4360-9AA8-C5DF2A48A6D1}" type="slidenum">
+              <a:rPr lang="en-US" smtClean="0"/>
+              <a:t>6</a:t>
+            </a:fld>
+            <a:endParaRPr lang="en-US" dirty="0"/>
+          </a:p>
+        </p:txBody>
+      </p:sp>
+      <p:sp>
+        <p:nvSpPr>
+          <p:cNvPr id="5" name="Footer Placeholder 4"/>
+          <p:cNvSpPr>
+            <a:spLocks noGrp="1"/>
+          </p:cNvSpPr>
+          <p:nvPr>
+            <p:ph type="ftr" sz="quarter" idx="4"/>
+          </p:nvPr>
+        </p:nvSpPr>
+        <p:spPr/>
+        <p:txBody>
+          <a:bodyPr/>
+          <a:lstStyle/>
+          <a:p>
+            <a:r>
+              <a:rPr lang="en-US"/>
+              <a:t>© SoftUni – </a:t>
+            </a:r>
+            <a:r>
+              <a:rPr lang="en-US" u="sng">
+                <a:hlinkClick r:id="rId3"/>
+              </a:rPr>
+              <a:t>https://softuni.org</a:t>
+            </a:r>
+            <a:r>
+              <a:rPr lang="en-US"/>
+              <a:t>. Copyrighted document. Unauthorized copy or reproduction is not permitted.</a:t>
+            </a:r>
+            <a:endParaRPr lang="en-US" dirty="0"/>
+          </a:p>
+        </p:txBody>
+      </p:sp>
+    </p:spTree>
+    <p:extLst>
+      <p:ext uri="{BB962C8B-B14F-4D97-AF65-F5344CB8AC3E}">
+        <p14:creationId xmlns:p14="http://schemas.microsoft.com/office/powerpoint/2010/main" val="135230581"/>
+      </p:ext>
+    </p:extLst>
+  </p:cSld>
+  <p:clrMapOvr>
+    <a:masterClrMapping/>
+  </p:clrMapOvr>
+</p:notes>
+</file>
+
+<file path=ppt/notesSlides/notesSlide5.xml><?xml version="1.0" encoding="utf-8"?>
+<p:notes xmlns:a="http://schemas.openxmlformats.org/drawingml/2006/main" xmlns:r="http://schemas.openxmlformats.org/officeDocument/2006/relationships" xmlns:p="http://schemas.openxmlformats.org/presentationml/2006/main">
+  <p:cSld>
+    <p:spTree>
+      <p:nvGrpSpPr>
+        <p:cNvPr id="1" name=""/>
+        <p:cNvGrpSpPr/>
+        <p:nvPr/>
+      </p:nvGrpSpPr>
+      <p:grpSpPr>
+        <a:xfrm>
+          <a:off x="0" y="0"/>
+          <a:ext cx="0" cy="0"/>
+          <a:chOff x="0" y="0"/>
+          <a:chExt cx="0" cy="0"/>
+        </a:xfrm>
+      </p:grpSpPr>
+      <p:sp>
+        <p:nvSpPr>
+          <p:cNvPr id="2" name="Slide Image Placeholder 1"/>
+          <p:cNvSpPr>
+            <a:spLocks noGrp="1" noRot="1" noChangeAspect="1"/>
+          </p:cNvSpPr>
+          <p:nvPr>
+            <p:ph type="sldImg"/>
+          </p:nvPr>
+        </p:nvSpPr>
+        <p:spPr/>
+      </p:sp>
+      <p:sp>
+        <p:nvSpPr>
+          <p:cNvPr id="3" name="Notes Placeholder 2"/>
+          <p:cNvSpPr>
+            <a:spLocks noGrp="1"/>
+          </p:cNvSpPr>
+          <p:nvPr>
+            <p:ph type="body" idx="1"/>
+          </p:nvPr>
+        </p:nvSpPr>
+        <p:spPr/>
+        <p:txBody>
+          <a:bodyPr/>
+          <a:lstStyle/>
+          <a:p>
             <a:endParaRPr lang="bg-BG" dirty="0"/>
           </a:p>
         </p:txBody>
@@ -8331,290 +10065,6 @@
 </p:notes>
 </file>
 
-<file path=ppt/notesSlides/notesSlide4.xml><?xml version="1.0" encoding="utf-8"?>
-<p:notes xmlns:a="http://schemas.openxmlformats.org/drawingml/2006/main" xmlns:r="http://schemas.openxmlformats.org/officeDocument/2006/relationships" xmlns:p="http://schemas.openxmlformats.org/presentationml/2006/main">
-  <p:cSld>
-    <p:spTree>
-      <p:nvGrpSpPr>
-        <p:cNvPr id="1" name=""/>
-        <p:cNvGrpSpPr/>
-        <p:nvPr/>
-      </p:nvGrpSpPr>
-      <p:grpSpPr>
-        <a:xfrm>
-          <a:off x="0" y="0"/>
-          <a:ext cx="0" cy="0"/>
-          <a:chOff x="0" y="0"/>
-          <a:chExt cx="0" cy="0"/>
-        </a:xfrm>
-      </p:grpSpPr>
-      <p:sp>
-        <p:nvSpPr>
-          <p:cNvPr id="5" name="Rectangle 7"/>
-          <p:cNvSpPr>
-            <a:spLocks noGrp="1" noChangeArrowheads="1"/>
-          </p:cNvSpPr>
-          <p:nvPr>
-            <p:ph type="sldNum" sz="quarter" idx="5"/>
-          </p:nvPr>
-        </p:nvSpPr>
-        <p:spPr>
-          <a:ln/>
-        </p:spPr>
-        <p:txBody>
-          <a:bodyPr/>
-          <a:lstStyle/>
-          <a:p>
-            <a:fld id="{B05CEEED-D241-4401-9102-96ADB82317DA}" type="slidenum">
-              <a:rPr lang="en-US"/>
-              <a:pPr/>
-              <a:t>18</a:t>
-            </a:fld>
-            <a:r>
-              <a:rPr lang="en-US" dirty="0"/>
-              <a:t>##</a:t>
-            </a:r>
-          </a:p>
-        </p:txBody>
-      </p:sp>
-      <p:sp>
-        <p:nvSpPr>
-          <p:cNvPr id="467970" name="Rectangle 2"/>
-          <p:cNvSpPr>
-            <a:spLocks noGrp="1" noRot="1" noChangeAspect="1" noChangeArrowheads="1" noTextEdit="1"/>
-          </p:cNvSpPr>
-          <p:nvPr>
-            <p:ph type="sldImg"/>
-          </p:nvPr>
-        </p:nvSpPr>
-        <p:spPr>
-          <a:ln/>
-        </p:spPr>
-      </p:sp>
-      <p:sp>
-        <p:nvSpPr>
-          <p:cNvPr id="467971" name="Rectangle 3"/>
-          <p:cNvSpPr>
-            <a:spLocks noGrp="1" noChangeArrowheads="1"/>
-          </p:cNvSpPr>
-          <p:nvPr>
-            <p:ph type="body" idx="1"/>
-          </p:nvPr>
-        </p:nvSpPr>
-        <p:spPr/>
-        <p:txBody>
-          <a:bodyPr/>
-          <a:lstStyle/>
-          <a:p>
-            <a:endParaRPr lang="bg-BG"/>
-          </a:p>
-        </p:txBody>
-      </p:sp>
-      <p:sp>
-        <p:nvSpPr>
-          <p:cNvPr id="6" name="Footer Placeholder 7">
-            <a:extLst>
-              <a:ext uri="{FF2B5EF4-FFF2-40B4-BE49-F238E27FC236}">
-                <a16:creationId xmlns:a16="http://schemas.microsoft.com/office/drawing/2014/main" id="{CAC3A49B-3196-44DF-AC28-085C72EFBFF0}"/>
-              </a:ext>
-            </a:extLst>
-          </p:cNvPr>
-          <p:cNvSpPr>
-            <a:spLocks noGrp="1"/>
-          </p:cNvSpPr>
-          <p:nvPr>
-            <p:ph type="ftr" sz="quarter" idx="4"/>
-          </p:nvPr>
-        </p:nvSpPr>
-        <p:spPr>
-          <a:xfrm>
-            <a:off x="-1" y="8847000"/>
-            <a:ext cx="6488999" cy="297000"/>
-          </a:xfrm>
-          <a:prstGeom prst="rect">
-            <a:avLst/>
-          </a:prstGeom>
-        </p:spPr>
-        <p:txBody>
-          <a:bodyPr vert="horz" lIns="91440" tIns="45720" rIns="91440" bIns="45720" rtlCol="0" anchor="b"/>
-          <a:lstStyle>
-            <a:lvl1pPr algn="l">
-              <a:defRPr sz="1100"/>
-            </a:lvl1pPr>
-          </a:lstStyle>
-          <a:p>
-            <a:r>
-              <a:rPr lang="en-US" dirty="0"/>
-              <a:t>© SoftUni – </a:t>
-            </a:r>
-            <a:r>
-              <a:rPr lang="en-US" u="sng" dirty="0">
-                <a:hlinkClick r:id="rId3"/>
-              </a:rPr>
-              <a:t>https://softuni.org</a:t>
-            </a:r>
-            <a:r>
-              <a:rPr lang="en-US" dirty="0"/>
-              <a:t>. Copyrighted document. Unauthorized copy or reproduction is not permitted.</a:t>
-            </a:r>
-          </a:p>
-        </p:txBody>
-      </p:sp>
-    </p:spTree>
-    <p:extLst>
-      <p:ext uri="{BB962C8B-B14F-4D97-AF65-F5344CB8AC3E}">
-        <p14:creationId xmlns:p14="http://schemas.microsoft.com/office/powerpoint/2010/main" val="3034726804"/>
-      </p:ext>
-    </p:extLst>
-  </p:cSld>
-  <p:clrMapOvr>
-    <a:masterClrMapping/>
-  </p:clrMapOvr>
-</p:notes>
-</file>
-
-<file path=ppt/notesSlides/notesSlide5.xml><?xml version="1.0" encoding="utf-8"?>
-<p:notes xmlns:a="http://schemas.openxmlformats.org/drawingml/2006/main" xmlns:r="http://schemas.openxmlformats.org/officeDocument/2006/relationships" xmlns:p="http://schemas.openxmlformats.org/presentationml/2006/main">
-  <p:cSld>
-    <p:spTree>
-      <p:nvGrpSpPr>
-        <p:cNvPr id="1" name=""/>
-        <p:cNvGrpSpPr/>
-        <p:nvPr/>
-      </p:nvGrpSpPr>
-      <p:grpSpPr>
-        <a:xfrm>
-          <a:off x="0" y="0"/>
-          <a:ext cx="0" cy="0"/>
-          <a:chOff x="0" y="0"/>
-          <a:chExt cx="0" cy="0"/>
-        </a:xfrm>
-      </p:grpSpPr>
-      <p:sp>
-        <p:nvSpPr>
-          <p:cNvPr id="5" name="Rectangle 7"/>
-          <p:cNvSpPr>
-            <a:spLocks noGrp="1" noChangeArrowheads="1"/>
-          </p:cNvSpPr>
-          <p:nvPr>
-            <p:ph type="sldNum" sz="quarter" idx="5"/>
-          </p:nvPr>
-        </p:nvSpPr>
-        <p:spPr>
-          <a:ln/>
-        </p:spPr>
-        <p:txBody>
-          <a:bodyPr/>
-          <a:lstStyle/>
-          <a:p>
-            <a:fld id="{B05CEEED-D241-4401-9102-96ADB82317DA}" type="slidenum">
-              <a:rPr lang="en-US"/>
-              <a:pPr/>
-              <a:t>19</a:t>
-            </a:fld>
-            <a:r>
-              <a:rPr lang="en-US" dirty="0"/>
-              <a:t>##</a:t>
-            </a:r>
-          </a:p>
-        </p:txBody>
-      </p:sp>
-      <p:sp>
-        <p:nvSpPr>
-          <p:cNvPr id="467970" name="Rectangle 2"/>
-          <p:cNvSpPr>
-            <a:spLocks noGrp="1" noRot="1" noChangeAspect="1" noChangeArrowheads="1" noTextEdit="1"/>
-          </p:cNvSpPr>
-          <p:nvPr>
-            <p:ph type="sldImg"/>
-          </p:nvPr>
-        </p:nvSpPr>
-        <p:spPr>
-          <a:ln/>
-        </p:spPr>
-      </p:sp>
-      <p:sp>
-        <p:nvSpPr>
-          <p:cNvPr id="467971" name="Rectangle 3"/>
-          <p:cNvSpPr>
-            <a:spLocks noGrp="1" noChangeArrowheads="1"/>
-          </p:cNvSpPr>
-          <p:nvPr>
-            <p:ph type="body" idx="1"/>
-          </p:nvPr>
-        </p:nvSpPr>
-        <p:spPr/>
-        <p:txBody>
-          <a:bodyPr/>
-          <a:lstStyle/>
-          <a:p>
-            <a:endParaRPr lang="bg-BG"/>
-          </a:p>
-        </p:txBody>
-      </p:sp>
-      <p:sp>
-        <p:nvSpPr>
-          <p:cNvPr id="6" name="Footer Placeholder 7">
-            <a:extLst>
-              <a:ext uri="{FF2B5EF4-FFF2-40B4-BE49-F238E27FC236}">
-                <a16:creationId xmlns:a16="http://schemas.microsoft.com/office/drawing/2014/main" id="{CAC3A49B-3196-44DF-AC28-085C72EFBFF0}"/>
-              </a:ext>
-            </a:extLst>
-          </p:cNvPr>
-          <p:cNvSpPr>
-            <a:spLocks noGrp="1"/>
-          </p:cNvSpPr>
-          <p:nvPr>
-            <p:ph type="ftr" sz="quarter" idx="4"/>
-          </p:nvPr>
-        </p:nvSpPr>
-        <p:spPr>
-          <a:xfrm>
-            <a:off x="-1" y="8847000"/>
-            <a:ext cx="6488999" cy="297000"/>
-          </a:xfrm>
-          <a:prstGeom prst="rect">
-            <a:avLst/>
-          </a:prstGeom>
-        </p:spPr>
-        <p:txBody>
-          <a:bodyPr vert="horz" lIns="91440" tIns="45720" rIns="91440" bIns="45720" rtlCol="0" anchor="b"/>
-          <a:lstStyle>
-            <a:lvl1pPr algn="l">
-              <a:defRPr sz="1100"/>
-            </a:lvl1pPr>
-          </a:lstStyle>
-          <a:p>
-            <a:r>
-              <a:rPr lang="en-US" dirty="0"/>
-              <a:t>© SoftUni – </a:t>
-            </a:r>
-            <a:r>
-              <a:rPr lang="en-US" u="sng" dirty="0">
-                <a:hlinkClick r:id="rId3"/>
-              </a:rPr>
-              <a:t>https://softuni.org</a:t>
-            </a:r>
-            <a:r>
-              <a:rPr lang="en-US" dirty="0"/>
-              <a:t>. Copyrighted document. Unauthorized copy or reproduction is not permitted.</a:t>
-            </a:r>
-          </a:p>
-        </p:txBody>
-      </p:sp>
-    </p:spTree>
-    <p:extLst>
-      <p:ext uri="{BB962C8B-B14F-4D97-AF65-F5344CB8AC3E}">
-        <p14:creationId xmlns:p14="http://schemas.microsoft.com/office/powerpoint/2010/main" val="1697359864"/>
-      </p:ext>
-    </p:extLst>
-  </p:cSld>
-  <p:clrMapOvr>
-    <a:masterClrMapping/>
-  </p:clrMapOvr>
-</p:notes>
-</file>
-
 <file path=ppt/notesSlides/notesSlide6.xml><?xml version="1.0" encoding="utf-8"?>
 <p:notes xmlns:a="http://schemas.openxmlformats.org/drawingml/2006/main" xmlns:r="http://schemas.openxmlformats.org/officeDocument/2006/relationships" xmlns:p="http://schemas.openxmlformats.org/presentationml/2006/main">
   <p:cSld>
@@ -8634,52 +10084,21 @@
       </p:grpSpPr>
       <p:sp>
         <p:nvSpPr>
-          <p:cNvPr id="5" name="Rectangle 7"/>
+          <p:cNvPr id="2" name="Slide Image Placeholder 1"/>
           <p:cNvSpPr>
-            <a:spLocks noGrp="1" noChangeArrowheads="1"/>
-          </p:cNvSpPr>
-          <p:nvPr>
-            <p:ph type="sldNum" sz="quarter" idx="5"/>
-          </p:nvPr>
-        </p:nvSpPr>
-        <p:spPr>
-          <a:ln/>
-        </p:spPr>
-        <p:txBody>
-          <a:bodyPr/>
-          <a:lstStyle/>
-          <a:p>
-            <a:fld id="{B05CEEED-D241-4401-9102-96ADB82317DA}" type="slidenum">
-              <a:rPr lang="en-US"/>
-              <a:pPr/>
-              <a:t>20</a:t>
-            </a:fld>
-            <a:r>
-              <a:rPr lang="en-US" dirty="0"/>
-              <a:t>##</a:t>
-            </a:r>
-          </a:p>
-        </p:txBody>
-      </p:sp>
-      <p:sp>
-        <p:nvSpPr>
-          <p:cNvPr id="467970" name="Rectangle 2"/>
-          <p:cNvSpPr>
-            <a:spLocks noGrp="1" noRot="1" noChangeAspect="1" noChangeArrowheads="1" noTextEdit="1"/>
+            <a:spLocks noGrp="1" noRot="1" noChangeAspect="1"/>
           </p:cNvSpPr>
           <p:nvPr>
             <p:ph type="sldImg"/>
           </p:nvPr>
         </p:nvSpPr>
-        <p:spPr>
-          <a:ln/>
-        </p:spPr>
+        <p:spPr/>
       </p:sp>
       <p:sp>
         <p:nvSpPr>
-          <p:cNvPr id="467971" name="Rectangle 3"/>
+          <p:cNvPr id="3" name="Notes Placeholder 2"/>
           <p:cNvSpPr>
-            <a:spLocks noGrp="1" noChangeArrowheads="1"/>
+            <a:spLocks noGrp="1"/>
           </p:cNvSpPr>
           <p:nvPr>
             <p:ph type="body" idx="1"/>
@@ -8690,19 +10109,255 @@
           <a:bodyPr/>
           <a:lstStyle/>
           <a:p>
-            <a:endParaRPr lang="bg-BG"/>
+            <a:r>
+              <a:rPr lang="en-US" dirty="0"/>
+              <a:t>CPU Registers (</a:t>
+            </a:r>
+            <a:r>
+              <a:rPr lang="bg-BG" dirty="0"/>
+              <a:t>ядрото на нашият процесор</a:t>
+            </a:r>
+            <a:r>
+              <a:rPr lang="en-US" dirty="0"/>
+              <a:t>)</a:t>
+            </a:r>
+            <a:endParaRPr lang="bg-BG" dirty="0"/>
+          </a:p>
+          <a:p>
+            <a:pPr marL="171450" indent="-171450">
+              <a:buFont typeface="Symbol" panose="05050102010706020507" pitchFamily="18" charset="2"/>
+              <a:buChar char="Þ"/>
+            </a:pPr>
+            <a:r>
+              <a:rPr lang="bg-BG" dirty="0"/>
+              <a:t>Има най-малко памет</a:t>
+            </a:r>
+          </a:p>
+          <a:p>
+            <a:pPr marL="171450" indent="-171450">
+              <a:buFont typeface="Symbol" panose="05050102010706020507" pitchFamily="18" charset="2"/>
+              <a:buChar char="Þ"/>
+            </a:pPr>
+            <a:r>
+              <a:rPr lang="bg-BG" dirty="0"/>
+              <a:t>Достъпва се за най-бързо време</a:t>
+            </a:r>
+          </a:p>
+          <a:p>
+            <a:pPr marL="171450" indent="-171450">
+              <a:buFont typeface="Symbol" panose="05050102010706020507" pitchFamily="18" charset="2"/>
+              <a:buChar char="Þ"/>
+            </a:pPr>
+            <a:endParaRPr lang="bg-BG" dirty="0"/>
+          </a:p>
+          <a:p>
+            <a:pPr marL="171450" indent="-171450">
+              <a:buFont typeface="Symbol" panose="05050102010706020507" pitchFamily="18" charset="2"/>
+              <a:buChar char="Þ"/>
+            </a:pPr>
+            <a:endParaRPr lang="bg-BG" dirty="0"/>
+          </a:p>
+          <a:p>
+            <a:r>
+              <a:rPr lang="en-US" dirty="0"/>
+              <a:t>CPU Cache</a:t>
+            </a:r>
+            <a:r>
+              <a:rPr lang="bg-BG" dirty="0"/>
+              <a:t> </a:t>
+            </a:r>
+          </a:p>
+          <a:p>
+            <a:pPr marL="171450" indent="-171450">
+              <a:buFont typeface="Symbol" panose="05050102010706020507" pitchFamily="18" charset="2"/>
+              <a:buChar char="Þ"/>
+            </a:pPr>
+            <a:r>
+              <a:rPr lang="bg-BG" dirty="0"/>
+              <a:t>Има повече памет от </a:t>
+            </a:r>
+            <a:r>
+              <a:rPr lang="en-US" dirty="0"/>
+              <a:t>CPU Registers</a:t>
+            </a:r>
+            <a:endParaRPr lang="bg-BG" dirty="0"/>
+          </a:p>
+          <a:p>
+            <a:pPr marL="171450" indent="-171450">
+              <a:buFont typeface="Symbol" panose="05050102010706020507" pitchFamily="18" charset="2"/>
+              <a:buChar char="Þ"/>
+            </a:pPr>
+            <a:r>
+              <a:rPr lang="bg-BG" dirty="0"/>
+              <a:t>Достъпва се изключително бързо</a:t>
+            </a:r>
+          </a:p>
+          <a:p>
+            <a:pPr marL="0" indent="0">
+              <a:buFont typeface="Symbol" panose="05050102010706020507" pitchFamily="18" charset="2"/>
+              <a:buNone/>
+            </a:pPr>
+            <a:endParaRPr lang="en-US" dirty="0"/>
+          </a:p>
+          <a:p>
+            <a:pPr marL="0" indent="0">
+              <a:buFont typeface="Symbol" panose="05050102010706020507" pitchFamily="18" charset="2"/>
+              <a:buNone/>
+            </a:pPr>
+            <a:endParaRPr lang="en-US" dirty="0"/>
+          </a:p>
+          <a:p>
+            <a:r>
+              <a:rPr lang="en-US" dirty="0"/>
+              <a:t>RAM</a:t>
+            </a:r>
+            <a:endParaRPr lang="bg-BG" dirty="0"/>
+          </a:p>
+          <a:p>
+            <a:pPr marL="171450" indent="-171450">
+              <a:buFont typeface="Symbol" panose="05050102010706020507" pitchFamily="18" charset="2"/>
+              <a:buChar char="Þ"/>
+            </a:pPr>
+            <a:r>
+              <a:rPr lang="bg-BG" dirty="0"/>
+              <a:t>Зависи от </a:t>
+            </a:r>
+            <a:r>
+              <a:rPr lang="en-US" dirty="0"/>
+              <a:t>PC-</a:t>
+            </a:r>
+            <a:r>
+              <a:rPr lang="bg-BG" dirty="0"/>
+              <a:t>то</a:t>
+            </a:r>
+          </a:p>
+          <a:p>
+            <a:pPr marL="171450" indent="-171450">
+              <a:buFont typeface="Symbol" panose="05050102010706020507" pitchFamily="18" charset="2"/>
+              <a:buChar char="Þ"/>
+            </a:pPr>
+            <a:r>
+              <a:rPr lang="bg-BG" dirty="0"/>
+              <a:t>За да стигне информация от процесора до </a:t>
+            </a:r>
+            <a:r>
+              <a:rPr lang="en-US" dirty="0"/>
+              <a:t>RAM </a:t>
+            </a:r>
+            <a:r>
+              <a:rPr lang="bg-BG" dirty="0"/>
+              <a:t>паметта това отнема няколко време, но може да съхраняваме много повече работи в </a:t>
+            </a:r>
+            <a:r>
+              <a:rPr lang="en-US" dirty="0"/>
+              <a:t>RAM </a:t>
+            </a:r>
+            <a:r>
+              <a:rPr lang="bg-BG" dirty="0"/>
+              <a:t>паметта</a:t>
+            </a:r>
+          </a:p>
+          <a:p>
+            <a:pPr marL="171450" indent="-171450">
+              <a:buFont typeface="Symbol" panose="05050102010706020507" pitchFamily="18" charset="2"/>
+              <a:buChar char="Þ"/>
+            </a:pPr>
+            <a:endParaRPr lang="bg-BG" dirty="0"/>
+          </a:p>
+          <a:p>
+            <a:pPr marL="0" indent="0">
+              <a:buFont typeface="Symbol" panose="05050102010706020507" pitchFamily="18" charset="2"/>
+              <a:buNone/>
+            </a:pPr>
+            <a:r>
+              <a:rPr lang="en-US" dirty="0"/>
+              <a:t>Disk (SSD / HDD)</a:t>
+            </a:r>
+          </a:p>
+          <a:p>
+            <a:pPr marL="171450" indent="-171450">
+              <a:buFont typeface="Symbol" panose="05050102010706020507" pitchFamily="18" charset="2"/>
+              <a:buChar char="Þ"/>
+            </a:pPr>
+            <a:r>
+              <a:rPr lang="en-US" dirty="0"/>
+              <a:t>SSD =&gt; </a:t>
+            </a:r>
+            <a:r>
+              <a:rPr lang="bg-BG" dirty="0"/>
+              <a:t>ПРИЕМАТ ПО-МАЛКА ИНФОРМАЦИЯ, НО СА ПО-БЪРЗИ</a:t>
+            </a:r>
+          </a:p>
+          <a:p>
+            <a:pPr marL="171450" indent="-171450">
+              <a:buFont typeface="Symbol" panose="05050102010706020507" pitchFamily="18" charset="2"/>
+              <a:buChar char="Þ"/>
+            </a:pPr>
+            <a:r>
+              <a:rPr lang="en-US" dirty="0"/>
+              <a:t>HDD =&gt; </a:t>
+            </a:r>
+            <a:r>
+              <a:rPr lang="bg-BG" dirty="0"/>
+              <a:t>ПРИЕМАТ ПОВЕЧЕ ИНФОРМАЦИЯ, НО СА ПО-БАВНИ</a:t>
+            </a:r>
+          </a:p>
+          <a:p>
+            <a:pPr marL="171450" indent="-171450">
+              <a:buFont typeface="Symbol" panose="05050102010706020507" pitchFamily="18" charset="2"/>
+              <a:buChar char="Þ"/>
+            </a:pPr>
+            <a:endParaRPr lang="bg-BG" dirty="0"/>
+          </a:p>
+          <a:p>
+            <a:pPr marL="0" indent="0">
+              <a:buFont typeface="Symbol" panose="05050102010706020507" pitchFamily="18" charset="2"/>
+              <a:buNone/>
+            </a:pPr>
+            <a:endParaRPr lang="bg-BG" dirty="0"/>
+          </a:p>
+          <a:p>
+            <a:pPr marL="171450" indent="-171450">
+              <a:buFont typeface="Symbol" panose="05050102010706020507" pitchFamily="18" charset="2"/>
+              <a:buChar char="Þ"/>
+            </a:pPr>
+            <a:endParaRPr lang="bg-BG" dirty="0"/>
+          </a:p>
+          <a:p>
+            <a:pPr marL="171450" indent="-171450">
+              <a:buFont typeface="Symbol" panose="05050102010706020507" pitchFamily="18" charset="2"/>
+              <a:buChar char="Þ"/>
+            </a:pPr>
+            <a:endParaRPr lang="bg-BG" dirty="0"/>
           </a:p>
         </p:txBody>
       </p:sp>
       <p:sp>
         <p:nvSpPr>
-          <p:cNvPr id="6" name="Footer Placeholder 7">
-            <a:extLst>
-              <a:ext uri="{FF2B5EF4-FFF2-40B4-BE49-F238E27FC236}">
-                <a16:creationId xmlns:a16="http://schemas.microsoft.com/office/drawing/2014/main" id="{CAC3A49B-3196-44DF-AC28-085C72EFBFF0}"/>
-              </a:ext>
-            </a:extLst>
-          </p:cNvPr>
+          <p:cNvPr id="4" name="Slide Number Placeholder 3"/>
+          <p:cNvSpPr>
+            <a:spLocks noGrp="1"/>
+          </p:cNvSpPr>
+          <p:nvPr>
+            <p:ph type="sldNum" sz="quarter" idx="5"/>
+          </p:nvPr>
+        </p:nvSpPr>
+        <p:spPr/>
+        <p:txBody>
+          <a:bodyPr/>
+          <a:lstStyle/>
+          <a:p>
+            <a:fld id="{2BF067CD-8E6B-4360-9AA8-C5DF2A48A6D1}" type="slidenum">
+              <a:rPr lang="en-US" smtClean="0"/>
+              <a:t>8</a:t>
+            </a:fld>
+            <a:endParaRPr lang="en-US" dirty="0"/>
+          </a:p>
+        </p:txBody>
+      </p:sp>
+      <p:sp>
+        <p:nvSpPr>
+          <p:cNvPr id="5" name="Footer Placeholder 4"/>
           <p:cNvSpPr>
             <a:spLocks noGrp="1"/>
           </p:cNvSpPr>
@@ -8710,44 +10365,33 @@
             <p:ph type="ftr" sz="quarter" idx="4"/>
           </p:nvPr>
         </p:nvSpPr>
-        <p:spPr>
-          <a:xfrm>
-            <a:off x="-1" y="8847000"/>
-            <a:ext cx="6488999" cy="297000"/>
-          </a:xfrm>
-          <a:prstGeom prst="rect">
-            <a:avLst/>
-          </a:prstGeom>
-        </p:spPr>
+        <p:spPr/>
         <p:txBody>
-          <a:bodyPr vert="horz" lIns="91440" tIns="45720" rIns="91440" bIns="45720" rtlCol="0" anchor="b"/>
-          <a:lstStyle>
-            <a:lvl1pPr algn="l">
-              <a:defRPr sz="1100"/>
-            </a:lvl1pPr>
-          </a:lstStyle>
-          <a:p>
-            <a:r>
-              <a:rPr lang="en-US" dirty="0"/>
+          <a:bodyPr/>
+          <a:lstStyle/>
+          <a:p>
+            <a:r>
+              <a:rPr lang="en-US"/>
               <a:t>© SoftUni – </a:t>
             </a:r>
             <a:r>
-              <a:rPr lang="en-US" u="sng" dirty="0">
+              <a:rPr lang="en-US" u="sng">
                 <a:hlinkClick r:id="rId3"/>
               </a:rPr>
               <a:t>https://softuni.org</a:t>
             </a:r>
             <a:r>
-              <a:rPr lang="en-US" dirty="0"/>
+              <a:rPr lang="en-US"/>
               <a:t>. Copyrighted document. Unauthorized copy or reproduction is not permitted.</a:t>
             </a:r>
+            <a:endParaRPr lang="en-US" dirty="0"/>
           </a:p>
         </p:txBody>
       </p:sp>
     </p:spTree>
     <p:extLst>
       <p:ext uri="{BB962C8B-B14F-4D97-AF65-F5344CB8AC3E}">
-        <p14:creationId xmlns:p14="http://schemas.microsoft.com/office/powerpoint/2010/main" val="1867020791"/>
+        <p14:creationId xmlns:p14="http://schemas.microsoft.com/office/powerpoint/2010/main" val="2899388728"/>
       </p:ext>
     </p:extLst>
   </p:cSld>
@@ -8794,7 +10438,7 @@
             <a:fld id="{B05CEEED-D241-4401-9102-96ADB82317DA}" type="slidenum">
               <a:rPr lang="en-US"/>
               <a:pPr/>
-              <a:t>21</a:t>
+              <a:t>18</a:t>
             </a:fld>
             <a:r>
               <a:rPr lang="en-US" dirty="0"/>
@@ -8832,7 +10476,37 @@
           <a:bodyPr/>
           <a:lstStyle/>
           <a:p>
-            <a:endParaRPr lang="bg-BG"/>
+            <a:r>
+              <a:rPr lang="en-US" altLang="ko-KR" sz="1200" b="1" dirty="0">
+                <a:solidFill>
+                  <a:schemeClr val="bg1"/>
+                </a:solidFill>
+                <a:ea typeface="굴림" pitchFamily="50" charset="-127"/>
+              </a:rPr>
+              <a:t>Bandwidth</a:t>
+            </a:r>
+          </a:p>
+          <a:p>
+            <a:pPr marL="171450" indent="-171450">
+              <a:buFont typeface="Symbol" panose="05050102010706020507" pitchFamily="18" charset="2"/>
+              <a:buChar char="Þ"/>
+            </a:pPr>
+            <a:r>
+              <a:rPr lang="bg-BG" sz="1200" b="1" dirty="0">
+                <a:solidFill>
+                  <a:schemeClr val="bg1"/>
+                </a:solidFill>
+                <a:ea typeface="굴림" pitchFamily="50" charset="-127"/>
+              </a:rPr>
+              <a:t>Комуникацията между процесора и РАМ паметта</a:t>
+            </a:r>
+          </a:p>
+          <a:p>
+            <a:pPr marL="171450" indent="-171450">
+              <a:buFont typeface="Symbol" panose="05050102010706020507" pitchFamily="18" charset="2"/>
+              <a:buChar char="Þ"/>
+            </a:pPr>
+            <a:endParaRPr lang="bg-BG" dirty="0"/>
           </a:p>
         </p:txBody>
       </p:sp>
@@ -8889,7 +10563,7 @@
     </p:spTree>
     <p:extLst>
       <p:ext uri="{BB962C8B-B14F-4D97-AF65-F5344CB8AC3E}">
-        <p14:creationId xmlns:p14="http://schemas.microsoft.com/office/powerpoint/2010/main" val="3074945277"/>
+        <p14:creationId xmlns:p14="http://schemas.microsoft.com/office/powerpoint/2010/main" val="3034726804"/>
       </p:ext>
     </p:extLst>
   </p:cSld>
@@ -8936,7 +10610,7 @@
             <a:fld id="{B05CEEED-D241-4401-9102-96ADB82317DA}" type="slidenum">
               <a:rPr lang="en-US"/>
               <a:pPr/>
-              <a:t>22</a:t>
+              <a:t>19</a:t>
             </a:fld>
             <a:r>
               <a:rPr lang="en-US" dirty="0"/>
@@ -9031,7 +10705,7 @@
     </p:spTree>
     <p:extLst>
       <p:ext uri="{BB962C8B-B14F-4D97-AF65-F5344CB8AC3E}">
-        <p14:creationId xmlns:p14="http://schemas.microsoft.com/office/powerpoint/2010/main" val="3873510152"/>
+        <p14:creationId xmlns:p14="http://schemas.microsoft.com/office/powerpoint/2010/main" val="1697359864"/>
       </p:ext>
     </p:extLst>
   </p:cSld>
@@ -9075,10 +10749,10 @@
           <a:bodyPr/>
           <a:lstStyle/>
           <a:p>
-            <a:fld id="{4B2DCE9C-9CF5-4C8D-93C1-883E9AFA899A}" type="slidenum">
+            <a:fld id="{B05CEEED-D241-4401-9102-96ADB82317DA}" type="slidenum">
               <a:rPr lang="en-US"/>
               <a:pPr/>
-              <a:t>23</a:t>
+              <a:t>20</a:t>
             </a:fld>
             <a:r>
               <a:rPr lang="en-US" dirty="0"/>
@@ -9089,7 +10763,7 @@
       </p:sp>
       <p:sp>
         <p:nvSpPr>
-          <p:cNvPr id="472066" name="Rectangle 2"/>
+          <p:cNvPr id="467970" name="Rectangle 2"/>
           <p:cNvSpPr>
             <a:spLocks noGrp="1" noRot="1" noChangeAspect="1" noChangeArrowheads="1" noTextEdit="1"/>
           </p:cNvSpPr>
@@ -9103,7 +10777,7 @@
       </p:sp>
       <p:sp>
         <p:nvSpPr>
-          <p:cNvPr id="472067" name="Rectangle 3"/>
+          <p:cNvPr id="467971" name="Rectangle 3"/>
           <p:cNvSpPr>
             <a:spLocks noGrp="1" noChangeArrowheads="1"/>
           </p:cNvSpPr>
@@ -9116,7 +10790,7 @@
           <a:bodyPr/>
           <a:lstStyle/>
           <a:p>
-            <a:endParaRPr lang="bg-BG" dirty="0"/>
+            <a:endParaRPr lang="bg-BG"/>
           </a:p>
         </p:txBody>
       </p:sp>
@@ -9173,7 +10847,7 @@
     </p:spTree>
     <p:extLst>
       <p:ext uri="{BB962C8B-B14F-4D97-AF65-F5344CB8AC3E}">
-        <p14:creationId xmlns:p14="http://schemas.microsoft.com/office/powerpoint/2010/main" val="1012708789"/>
+        <p14:creationId xmlns:p14="http://schemas.microsoft.com/office/powerpoint/2010/main" val="1867020791"/>
       </p:ext>
     </p:extLst>
   </p:cSld>
@@ -23513,7 +25187,7 @@
           <a:lstStyle/>
           <a:p>
             <a:r>
-              <a:rPr lang="en-US"/>
+              <a:rPr lang="en-US" dirty="0"/>
               <a:t>Asymptotic Notation</a:t>
             </a:r>
           </a:p>
@@ -45857,14 +47531,10 @@
             <a:pPr lvl="1"/>
             <a:r>
               <a:rPr lang="en-US" sz="3400" dirty="0"/>
-              <a:t>addresses numbered in hexadecimal, prefixed </a:t>
-            </a:r>
-            <a:r>
-              <a:rPr lang="en-US" sz="3400"/>
-              <a:t>with </a:t>
-            </a:r>
-            <a:r>
-              <a:rPr lang="en-US" sz="3400" b="1">
+              <a:t>addresses numbered in hexadecimal, prefixed with </a:t>
+            </a:r>
+            <a:r>
+              <a:rPr lang="en-US" sz="3400" b="1" dirty="0">
                 <a:solidFill>
                   <a:schemeClr val="bg1"/>
                 </a:solidFill>
